--- a/Global Banking Fraud Detection & Risk Analysis Presentation.pptx
+++ b/Global Banking Fraud Detection & Risk Analysis Presentation.pptx
@@ -10,6 +10,8 @@
     <p:sldId id="258" r:id="rId4"/>
     <p:sldId id="259" r:id="rId5"/>
     <p:sldId id="260" r:id="rId6"/>
+    <p:sldId id="261" r:id="rId7"/>
+    <p:sldId id="262" r:id="rId8"/>
   </p:sldIdLst>
   <p:sldSz cx="12192000" cy="6858000"/>
   <p:notesSz cx="6858000" cy="9144000"/>
@@ -108,6 +110,11 @@
       </a:defRPr>
     </a:lvl9pPr>
   </p:defaultTextStyle>
+  <p:extLst>
+    <p:ext uri="{EFAFB233-063F-42B5-8137-9DF3F51BA10A}">
+      <p15:sldGuideLst xmlns:p15="http://schemas.microsoft.com/office/powerpoint/2012/main"/>
+    </p:ext>
+  </p:extLst>
 </p:presentation>
 </file>
 
@@ -8566,6 +8573,216 @@
 </p:sld>
 </file>
 
+<file path=ppt/slides/slide6.xml><?xml version="1.0" encoding="utf-8"?>
+<p:sld xmlns:a="http://schemas.openxmlformats.org/drawingml/2006/main" xmlns:r="http://schemas.openxmlformats.org/officeDocument/2006/relationships" xmlns:p="http://schemas.openxmlformats.org/presentationml/2006/main">
+  <p:cSld>
+    <p:spTree>
+      <p:nvGrpSpPr>
+        <p:cNvPr id="1" name=""/>
+        <p:cNvGrpSpPr/>
+        <p:nvPr/>
+      </p:nvGrpSpPr>
+      <p:grpSpPr>
+        <a:xfrm>
+          <a:off x="0" y="0"/>
+          <a:ext cx="0" cy="0"/>
+          <a:chOff x="0" y="0"/>
+          <a:chExt cx="0" cy="0"/>
+        </a:xfrm>
+      </p:grpSpPr>
+      <p:sp>
+        <p:nvSpPr>
+          <p:cNvPr id="2" name="Title 1">
+            <a:extLst>
+              <a:ext uri="{FF2B5EF4-FFF2-40B4-BE49-F238E27FC236}">
+                <a16:creationId xmlns:a16="http://schemas.microsoft.com/office/drawing/2014/main" id="{959D80F9-273F-665B-0550-9A3B520A7BE7}"/>
+              </a:ext>
+            </a:extLst>
+          </p:cNvPr>
+          <p:cNvSpPr>
+            <a:spLocks noGrp="1"/>
+          </p:cNvSpPr>
+          <p:nvPr>
+            <p:ph type="title"/>
+          </p:nvPr>
+        </p:nvSpPr>
+        <p:spPr/>
+        <p:txBody>
+          <a:bodyPr/>
+          <a:lstStyle/>
+          <a:p>
+            <a:r>
+              <a:rPr lang="en-US" dirty="0"/>
+              <a:t>Methodology (end-to-end Pipeline)</a:t>
+            </a:r>
+          </a:p>
+        </p:txBody>
+      </p:sp>
+      <p:sp>
+        <p:nvSpPr>
+          <p:cNvPr id="3" name="Content Placeholder 2">
+            <a:extLst>
+              <a:ext uri="{FF2B5EF4-FFF2-40B4-BE49-F238E27FC236}">
+                <a16:creationId xmlns:a16="http://schemas.microsoft.com/office/drawing/2014/main" id="{16515A67-74BD-9E19-7813-B2789C4F84D5}"/>
+              </a:ext>
+            </a:extLst>
+          </p:cNvPr>
+          <p:cNvSpPr>
+            <a:spLocks noGrp="1"/>
+          </p:cNvSpPr>
+          <p:nvPr>
+            <p:ph idx="1"/>
+          </p:nvPr>
+        </p:nvSpPr>
+        <p:spPr>
+          <a:xfrm>
+            <a:off x="2589212" y="1905000"/>
+            <a:ext cx="8915400" cy="3777622"/>
+          </a:xfrm>
+        </p:spPr>
+        <p:txBody>
+          <a:bodyPr/>
+          <a:lstStyle/>
+          <a:p>
+            <a:pPr marL="0" indent="0">
+              <a:buNone/>
+            </a:pPr>
+            <a:r>
+              <a:rPr lang="en-US" dirty="0"/>
+              <a:t>To Ensure scalability and realism, the project follows a structured analytics pipeline like real banking environments.</a:t>
+            </a:r>
+          </a:p>
+          <a:p>
+            <a:pPr marL="0" indent="0">
+              <a:buNone/>
+            </a:pPr>
+            <a:r>
+              <a:rPr lang="en-US" b="1" dirty="0"/>
+              <a:t>Workflow:</a:t>
+            </a:r>
+          </a:p>
+          <a:p>
+            <a:r>
+              <a:rPr lang="en-US" sz="1600" dirty="0"/>
+              <a:t>Excel: Data cleaning, formatting, and preparation</a:t>
+            </a:r>
+          </a:p>
+          <a:p>
+            <a:r>
+              <a:rPr lang="en-US" sz="1600" dirty="0"/>
+              <a:t>SQL: Queries, Aggregations, fraud analysis, and KPI calculations</a:t>
+            </a:r>
+          </a:p>
+          <a:p>
+            <a:r>
+              <a:rPr lang="en-US" sz="1600" dirty="0"/>
+              <a:t>Power BI: Interactive dashboards and storytelling visuals</a:t>
+            </a:r>
+          </a:p>
+          <a:p>
+            <a:pPr marL="0" indent="0">
+              <a:buNone/>
+            </a:pPr>
+            <a:r>
+              <a:rPr lang="en-US" sz="1600" dirty="0"/>
+              <a:t>This Layered approach ensures accuracy, performance, and clarity.</a:t>
+            </a:r>
+          </a:p>
+        </p:txBody>
+      </p:sp>
+    </p:spTree>
+    <p:extLst>
+      <p:ext uri="{BB962C8B-B14F-4D97-AF65-F5344CB8AC3E}">
+        <p14:creationId xmlns:p14="http://schemas.microsoft.com/office/powerpoint/2010/main" val="161166094"/>
+      </p:ext>
+    </p:extLst>
+  </p:cSld>
+  <p:clrMapOvr>
+    <a:masterClrMapping/>
+  </p:clrMapOvr>
+</p:sld>
+</file>
+
+<file path=ppt/slides/slide7.xml><?xml version="1.0" encoding="utf-8"?>
+<p:sld xmlns:a="http://schemas.openxmlformats.org/drawingml/2006/main" xmlns:r="http://schemas.openxmlformats.org/officeDocument/2006/relationships" xmlns:p="http://schemas.openxmlformats.org/presentationml/2006/main">
+  <p:cSld>
+    <p:spTree>
+      <p:nvGrpSpPr>
+        <p:cNvPr id="1" name=""/>
+        <p:cNvGrpSpPr/>
+        <p:nvPr/>
+      </p:nvGrpSpPr>
+      <p:grpSpPr>
+        <a:xfrm>
+          <a:off x="0" y="0"/>
+          <a:ext cx="0" cy="0"/>
+          <a:chOff x="0" y="0"/>
+          <a:chExt cx="0" cy="0"/>
+        </a:xfrm>
+      </p:grpSpPr>
+      <p:sp>
+        <p:nvSpPr>
+          <p:cNvPr id="2" name="Title 1">
+            <a:extLst>
+              <a:ext uri="{FF2B5EF4-FFF2-40B4-BE49-F238E27FC236}">
+                <a16:creationId xmlns:a16="http://schemas.microsoft.com/office/drawing/2014/main" id="{DB3A7AB7-6372-D093-75DC-626530ABBBB0}"/>
+              </a:ext>
+            </a:extLst>
+          </p:cNvPr>
+          <p:cNvSpPr>
+            <a:spLocks noGrp="1"/>
+          </p:cNvSpPr>
+          <p:nvPr>
+            <p:ph type="title"/>
+          </p:nvPr>
+        </p:nvSpPr>
+        <p:spPr/>
+        <p:txBody>
+          <a:bodyPr/>
+          <a:lstStyle/>
+          <a:p>
+            <a:endParaRPr lang="en-US"/>
+          </a:p>
+        </p:txBody>
+      </p:sp>
+      <p:sp>
+        <p:nvSpPr>
+          <p:cNvPr id="3" name="Content Placeholder 2">
+            <a:extLst>
+              <a:ext uri="{FF2B5EF4-FFF2-40B4-BE49-F238E27FC236}">
+                <a16:creationId xmlns:a16="http://schemas.microsoft.com/office/drawing/2014/main" id="{EF66727E-7C71-1948-AFAB-EF577B431A06}"/>
+              </a:ext>
+            </a:extLst>
+          </p:cNvPr>
+          <p:cNvSpPr>
+            <a:spLocks noGrp="1"/>
+          </p:cNvSpPr>
+          <p:nvPr>
+            <p:ph idx="1"/>
+          </p:nvPr>
+        </p:nvSpPr>
+        <p:spPr/>
+        <p:txBody>
+          <a:bodyPr/>
+          <a:lstStyle/>
+          <a:p>
+            <a:endParaRPr lang="en-US"/>
+          </a:p>
+        </p:txBody>
+      </p:sp>
+    </p:spTree>
+    <p:extLst>
+      <p:ext uri="{BB962C8B-B14F-4D97-AF65-F5344CB8AC3E}">
+        <p14:creationId xmlns:p14="http://schemas.microsoft.com/office/powerpoint/2010/main" val="2362849659"/>
+      </p:ext>
+    </p:extLst>
+  </p:cSld>
+  <p:clrMapOvr>
+    <a:masterClrMapping/>
+  </p:clrMapOvr>
+</p:sld>
+</file>
+
 <file path=ppt/theme/theme1.xml><?xml version="1.0" encoding="utf-8"?>
 <a:theme xmlns:a="http://schemas.openxmlformats.org/drawingml/2006/main" name="Wisp">
   <a:themeElements>

--- a/Global Banking Fraud Detection & Risk Analysis Presentation.pptx
+++ b/Global Banking Fraud Detection & Risk Analysis Presentation.pptx
@@ -12,6 +12,8 @@
     <p:sldId id="260" r:id="rId6"/>
     <p:sldId id="261" r:id="rId7"/>
     <p:sldId id="262" r:id="rId8"/>
+    <p:sldId id="263" r:id="rId9"/>
+    <p:sldId id="264" r:id="rId10"/>
   </p:sldIdLst>
   <p:sldSz cx="12192000" cy="6858000"/>
   <p:notesSz cx="6858000" cy="9144000"/>
@@ -116,6 +118,136 @@
     </p:ext>
   </p:extLst>
 </p:presentation>
+</file>
+
+<file path=ppt/revisionInfo.xml><?xml version="1.0" encoding="utf-8"?>
+<p1510:revInfo xmlns:a="http://schemas.openxmlformats.org/drawingml/2006/main" xmlns:r="http://schemas.openxmlformats.org/officeDocument/2006/relationships" xmlns:p1510="http://schemas.microsoft.com/office/powerpoint/2015/10/main">
+  <p1510:revLst>
+    <p1510:client id="{A7DD1D84-42FB-8245-BC58-A583FDB82811}" v="14" dt="2025-12-19T22:22:17.758"/>
+  </p1510:revLst>
+</p1510:revInfo>
+</file>
+
+<file path=ppt/changesInfos/changesInfo1.xml><?xml version="1.0" encoding="utf-8"?>
+<pc:chgInfo xmlns:a="http://schemas.openxmlformats.org/drawingml/2006/main" xmlns:r="http://schemas.openxmlformats.org/officeDocument/2006/relationships" xmlns:ac="http://schemas.microsoft.com/office/drawing/2013/main/command" xmlns:pc="http://schemas.microsoft.com/office/powerpoint/2013/main/command">
+  <pc:docChgLst>
+    <pc:chgData name="Garv ." userId="517ebc9b-5a76-4003-9b3c-a98d08664bbd" providerId="ADAL" clId="{F659861F-A15D-5394-9866-47331A7A7B4B}"/>
+    <pc:docChg chg="undo redo custSel addSld modSld">
+      <pc:chgData name="Garv ." userId="517ebc9b-5a76-4003-9b3c-a98d08664bbd" providerId="ADAL" clId="{F659861F-A15D-5394-9866-47331A7A7B4B}" dt="2025-12-19T22:23:16.878" v="1688" actId="20577"/>
+      <pc:docMkLst>
+        <pc:docMk/>
+      </pc:docMkLst>
+      <pc:sldChg chg="modSp mod">
+        <pc:chgData name="Garv ." userId="517ebc9b-5a76-4003-9b3c-a98d08664bbd" providerId="ADAL" clId="{F659861F-A15D-5394-9866-47331A7A7B4B}" dt="2025-12-19T21:01:55.431" v="521" actId="20577"/>
+        <pc:sldMkLst>
+          <pc:docMk/>
+          <pc:sldMk cId="161166094" sldId="261"/>
+        </pc:sldMkLst>
+        <pc:spChg chg="mod">
+          <ac:chgData name="Garv ." userId="517ebc9b-5a76-4003-9b3c-a98d08664bbd" providerId="ADAL" clId="{F659861F-A15D-5394-9866-47331A7A7B4B}" dt="2025-12-19T21:01:55.431" v="521" actId="20577"/>
+          <ac:spMkLst>
+            <pc:docMk/>
+            <pc:sldMk cId="161166094" sldId="261"/>
+            <ac:spMk id="3" creationId="{16515A67-74BD-9E19-7813-B2789C4F84D5}"/>
+          </ac:spMkLst>
+        </pc:spChg>
+      </pc:sldChg>
+      <pc:sldChg chg="modSp mod">
+        <pc:chgData name="Garv ." userId="517ebc9b-5a76-4003-9b3c-a98d08664bbd" providerId="ADAL" clId="{F659861F-A15D-5394-9866-47331A7A7B4B}" dt="2025-12-19T21:02:09.785" v="541" actId="313"/>
+        <pc:sldMkLst>
+          <pc:docMk/>
+          <pc:sldMk cId="2362849659" sldId="262"/>
+        </pc:sldMkLst>
+        <pc:spChg chg="mod">
+          <ac:chgData name="Garv ." userId="517ebc9b-5a76-4003-9b3c-a98d08664bbd" providerId="ADAL" clId="{F659861F-A15D-5394-9866-47331A7A7B4B}" dt="2025-12-19T20:54:06.277" v="36" actId="313"/>
+          <ac:spMkLst>
+            <pc:docMk/>
+            <pc:sldMk cId="2362849659" sldId="262"/>
+            <ac:spMk id="2" creationId="{DB3A7AB7-6372-D093-75DC-626530ABBBB0}"/>
+          </ac:spMkLst>
+        </pc:spChg>
+        <pc:spChg chg="mod">
+          <ac:chgData name="Garv ." userId="517ebc9b-5a76-4003-9b3c-a98d08664bbd" providerId="ADAL" clId="{F659861F-A15D-5394-9866-47331A7A7B4B}" dt="2025-12-19T21:02:09.785" v="541" actId="313"/>
+          <ac:spMkLst>
+            <pc:docMk/>
+            <pc:sldMk cId="2362849659" sldId="262"/>
+            <ac:spMk id="3" creationId="{EF66727E-7C71-1948-AFAB-EF577B431A06}"/>
+          </ac:spMkLst>
+        </pc:spChg>
+      </pc:sldChg>
+      <pc:sldChg chg="addSp modSp new mod">
+        <pc:chgData name="Garv ." userId="517ebc9b-5a76-4003-9b3c-a98d08664bbd" providerId="ADAL" clId="{F659861F-A15D-5394-9866-47331A7A7B4B}" dt="2025-12-19T22:23:16.878" v="1688" actId="20577"/>
+        <pc:sldMkLst>
+          <pc:docMk/>
+          <pc:sldMk cId="1674953985" sldId="263"/>
+        </pc:sldMkLst>
+        <pc:spChg chg="mod">
+          <ac:chgData name="Garv ." userId="517ebc9b-5a76-4003-9b3c-a98d08664bbd" providerId="ADAL" clId="{F659861F-A15D-5394-9866-47331A7A7B4B}" dt="2025-12-19T21:44:06.463" v="561" actId="20577"/>
+          <ac:spMkLst>
+            <pc:docMk/>
+            <pc:sldMk cId="1674953985" sldId="263"/>
+            <ac:spMk id="2" creationId="{5FFDC9E4-426C-E933-DC3E-7B1A4101A069}"/>
+          </ac:spMkLst>
+        </pc:spChg>
+        <pc:spChg chg="mod">
+          <ac:chgData name="Garv ." userId="517ebc9b-5a76-4003-9b3c-a98d08664bbd" providerId="ADAL" clId="{F659861F-A15D-5394-9866-47331A7A7B4B}" dt="2025-12-19T22:23:16.878" v="1688" actId="20577"/>
+          <ac:spMkLst>
+            <pc:docMk/>
+            <pc:sldMk cId="1674953985" sldId="263"/>
+            <ac:spMk id="3" creationId="{DC8C6A0F-AD84-A6BA-D0FC-41428439EEF3}"/>
+          </ac:spMkLst>
+        </pc:spChg>
+        <pc:spChg chg="add">
+          <ac:chgData name="Garv ." userId="517ebc9b-5a76-4003-9b3c-a98d08664bbd" providerId="ADAL" clId="{F659861F-A15D-5394-9866-47331A7A7B4B}" dt="2025-12-19T22:18:59.189" v="1073"/>
+          <ac:spMkLst>
+            <pc:docMk/>
+            <pc:sldMk cId="1674953985" sldId="263"/>
+            <ac:spMk id="4" creationId="{1E2767CC-7FFE-D84C-C577-686191F0CD2A}"/>
+          </ac:spMkLst>
+        </pc:spChg>
+      </pc:sldChg>
+      <pc:sldChg chg="addSp delSp modSp new mod">
+        <pc:chgData name="Garv ." userId="517ebc9b-5a76-4003-9b3c-a98d08664bbd" providerId="ADAL" clId="{F659861F-A15D-5394-9866-47331A7A7B4B}" dt="2025-12-19T22:04:43.873" v="1072" actId="20577"/>
+        <pc:sldMkLst>
+          <pc:docMk/>
+          <pc:sldMk cId="2080373582" sldId="264"/>
+        </pc:sldMkLst>
+        <pc:spChg chg="mod">
+          <ac:chgData name="Garv ." userId="517ebc9b-5a76-4003-9b3c-a98d08664bbd" providerId="ADAL" clId="{F659861F-A15D-5394-9866-47331A7A7B4B}" dt="2025-12-19T22:04:32.044" v="1046" actId="313"/>
+          <ac:spMkLst>
+            <pc:docMk/>
+            <pc:sldMk cId="2080373582" sldId="264"/>
+            <ac:spMk id="2" creationId="{62044C42-26D3-9EE4-0E31-C9F9749B2E2C}"/>
+          </ac:spMkLst>
+        </pc:spChg>
+        <pc:spChg chg="add del mod">
+          <ac:chgData name="Garv ." userId="517ebc9b-5a76-4003-9b3c-a98d08664bbd" providerId="ADAL" clId="{F659861F-A15D-5394-9866-47331A7A7B4B}" dt="2025-12-19T22:04:43.873" v="1072" actId="20577"/>
+          <ac:spMkLst>
+            <pc:docMk/>
+            <pc:sldMk cId="2080373582" sldId="264"/>
+            <ac:spMk id="3" creationId="{5AD7D877-273A-2C32-A25E-309BF2DD96F3}"/>
+          </ac:spMkLst>
+        </pc:spChg>
+        <pc:spChg chg="add mod">
+          <ac:chgData name="Garv ." userId="517ebc9b-5a76-4003-9b3c-a98d08664bbd" providerId="ADAL" clId="{F659861F-A15D-5394-9866-47331A7A7B4B}" dt="2025-12-19T22:04:28.544" v="1036" actId="767"/>
+          <ac:spMkLst>
+            <pc:docMk/>
+            <pc:sldMk cId="2080373582" sldId="264"/>
+            <ac:spMk id="6" creationId="{A6B74219-8F43-0C6D-A8D5-DDE68951EA2B}"/>
+          </ac:spMkLst>
+        </pc:spChg>
+        <pc:picChg chg="add mod">
+          <ac:chgData name="Garv ." userId="517ebc9b-5a76-4003-9b3c-a98d08664bbd" providerId="ADAL" clId="{F659861F-A15D-5394-9866-47331A7A7B4B}" dt="2025-12-19T22:04:30.234" v="1044" actId="931"/>
+          <ac:picMkLst>
+            <pc:docMk/>
+            <pc:sldMk cId="2080373582" sldId="264"/>
+            <ac:picMk id="5" creationId="{618F1A1A-ACD6-1737-63EE-99219D3BF37B}"/>
+          </ac:picMkLst>
+        </pc:picChg>
+      </pc:sldChg>
+    </pc:docChg>
+  </pc:docChgLst>
+</pc:chgInfo>
 </file>
 
 <file path=ppt/slideLayouts/slideLayout1.xml><?xml version="1.0" encoding="utf-8"?>
@@ -8670,7 +8802,7 @@
           <a:p>
             <a:r>
               <a:rPr lang="en-US" sz="1600" dirty="0"/>
-              <a:t>SQL: Queries, Aggregations, fraud analysis, and KPI calculations</a:t>
+              <a:t>SQL: Querying, Aggregations, fraud analysis, and KPI calculations</a:t>
             </a:r>
           </a:p>
           <a:p>
@@ -8741,7 +8873,10 @@
           <a:bodyPr/>
           <a:lstStyle/>
           <a:p>
-            <a:endParaRPr lang="en-US"/>
+            <a:r>
+              <a:rPr lang="en-US" dirty="0"/>
+              <a:t>Data Cleaning &amp; Preparation (Excel)</a:t>
+            </a:r>
           </a:p>
         </p:txBody>
       </p:sp>
@@ -8761,12 +8896,70 @@
             <p:ph idx="1"/>
           </p:nvPr>
         </p:nvSpPr>
-        <p:spPr/>
+        <p:spPr>
+          <a:xfrm>
+            <a:off x="2589212" y="1905000"/>
+            <a:ext cx="8915400" cy="3777622"/>
+          </a:xfrm>
+        </p:spPr>
         <p:txBody>
           <a:bodyPr/>
           <a:lstStyle/>
           <a:p>
-            <a:endParaRPr lang="en-US"/>
+            <a:pPr marL="0" indent="0">
+              <a:buNone/>
+            </a:pPr>
+            <a:r>
+              <a:rPr lang="en-US" dirty="0"/>
+              <a:t>Raw Transactional data often contains inconsistencies that can distort analysis. Significant effort was invested in preparing the dataset for reliable analytics.</a:t>
+            </a:r>
+          </a:p>
+          <a:p>
+            <a:pPr marL="0" indent="0">
+              <a:buNone/>
+            </a:pPr>
+            <a:r>
+              <a:rPr lang="en-US" b="1" dirty="0"/>
+              <a:t>Cleaning steps performed:</a:t>
+            </a:r>
+          </a:p>
+          <a:p>
+            <a:r>
+              <a:rPr lang="en-US" sz="1600" dirty="0"/>
+              <a:t>Standardized column formats and naming conventions</a:t>
+            </a:r>
+          </a:p>
+          <a:p>
+            <a:r>
+              <a:rPr lang="en-US" sz="1600" dirty="0"/>
+              <a:t>Handled missing and inconsistent values</a:t>
+            </a:r>
+          </a:p>
+          <a:p>
+            <a:r>
+              <a:rPr lang="en-US" sz="1600" dirty="0"/>
+              <a:t>Split and normalized columns for SQL compatibility</a:t>
+            </a:r>
+          </a:p>
+          <a:p>
+            <a:r>
+              <a:rPr lang="en-US" sz="1600" dirty="0"/>
+              <a:t>Optimized structure for Power BI modeling</a:t>
+            </a:r>
+          </a:p>
+          <a:p>
+            <a:pPr marL="0" indent="0">
+              <a:buNone/>
+            </a:pPr>
+            <a:r>
+              <a:rPr lang="en-US" b="1" dirty="0"/>
+              <a:t>Result: </a:t>
+            </a:r>
+            <a:r>
+              <a:rPr lang="en-US" dirty="0"/>
+              <a:t>A clean, analysis-read dataset suitable for scalable querying and visualizations.</a:t>
+            </a:r>
+            <a:endParaRPr lang="en-US" b="1" dirty="0"/>
           </a:p>
         </p:txBody>
       </p:sp>
@@ -8774,6 +8967,256 @@
     <p:extLst>
       <p:ext uri="{BB962C8B-B14F-4D97-AF65-F5344CB8AC3E}">
         <p14:creationId xmlns:p14="http://schemas.microsoft.com/office/powerpoint/2010/main" val="2362849659"/>
+      </p:ext>
+    </p:extLst>
+  </p:cSld>
+  <p:clrMapOvr>
+    <a:masterClrMapping/>
+  </p:clrMapOvr>
+</p:sld>
+</file>
+
+<file path=ppt/slides/slide8.xml><?xml version="1.0" encoding="utf-8"?>
+<p:sld xmlns:a="http://schemas.openxmlformats.org/drawingml/2006/main" xmlns:r="http://schemas.openxmlformats.org/officeDocument/2006/relationships" xmlns:p="http://schemas.openxmlformats.org/presentationml/2006/main">
+  <p:cSld>
+    <p:spTree>
+      <p:nvGrpSpPr>
+        <p:cNvPr id="1" name=""/>
+        <p:cNvGrpSpPr/>
+        <p:nvPr/>
+      </p:nvGrpSpPr>
+      <p:grpSpPr>
+        <a:xfrm>
+          <a:off x="0" y="0"/>
+          <a:ext cx="0" cy="0"/>
+          <a:chOff x="0" y="0"/>
+          <a:chExt cx="0" cy="0"/>
+        </a:xfrm>
+      </p:grpSpPr>
+      <p:sp>
+        <p:nvSpPr>
+          <p:cNvPr id="2" name="Title 1">
+            <a:extLst>
+              <a:ext uri="{FF2B5EF4-FFF2-40B4-BE49-F238E27FC236}">
+                <a16:creationId xmlns:a16="http://schemas.microsoft.com/office/drawing/2014/main" id="{5FFDC9E4-426C-E933-DC3E-7B1A4101A069}"/>
+              </a:ext>
+            </a:extLst>
+          </p:cNvPr>
+          <p:cNvSpPr>
+            <a:spLocks noGrp="1"/>
+          </p:cNvSpPr>
+          <p:nvPr>
+            <p:ph type="title"/>
+          </p:nvPr>
+        </p:nvSpPr>
+        <p:spPr/>
+        <p:txBody>
+          <a:bodyPr/>
+          <a:lstStyle/>
+          <a:p>
+            <a:r>
+              <a:rPr lang="en-US" dirty="0"/>
+              <a:t>SQL Analysis Layer</a:t>
+            </a:r>
+          </a:p>
+        </p:txBody>
+      </p:sp>
+      <p:sp>
+        <p:nvSpPr>
+          <p:cNvPr id="3" name="Content Placeholder 2">
+            <a:extLst>
+              <a:ext uri="{FF2B5EF4-FFF2-40B4-BE49-F238E27FC236}">
+                <a16:creationId xmlns:a16="http://schemas.microsoft.com/office/drawing/2014/main" id="{DC8C6A0F-AD84-A6BA-D0FC-41428439EEF3}"/>
+              </a:ext>
+            </a:extLst>
+          </p:cNvPr>
+          <p:cNvSpPr>
+            <a:spLocks noGrp="1"/>
+          </p:cNvSpPr>
+          <p:nvPr>
+            <p:ph idx="1"/>
+          </p:nvPr>
+        </p:nvSpPr>
+        <p:spPr>
+          <a:xfrm>
+            <a:off x="2589212" y="1905000"/>
+            <a:ext cx="8915400" cy="3777622"/>
+          </a:xfrm>
+        </p:spPr>
+        <p:txBody>
+          <a:bodyPr>
+            <a:normAutofit fontScale="85000" lnSpcReduction="20000"/>
+          </a:bodyPr>
+          <a:lstStyle/>
+          <a:p>
+            <a:pPr marL="0" indent="0">
+              <a:buNone/>
+            </a:pPr>
+            <a:r>
+              <a:rPr lang="en-US" dirty="0"/>
+              <a:t>SQL acted as the analytical engine of this project, transforming cleaned transactional data into structured insights before visualization. Rather than pushing raw data directly into Power BI, SQL was used to validate trends, calculate risk metrics, and isolate fraud behavior, ensuring analytical accuracy and scalability.</a:t>
+            </a:r>
+          </a:p>
+          <a:p>
+            <a:pPr marL="0" indent="0">
+              <a:buNone/>
+            </a:pPr>
+            <a:r>
+              <a:rPr lang="en-US" dirty="0"/>
+              <a:t>Through SQL, this project replicated how banks typically analyze transaction data at the backend level before exposing results to dashboards.</a:t>
+            </a:r>
+          </a:p>
+          <a:p>
+            <a:pPr marL="0" indent="0">
+              <a:buNone/>
+            </a:pPr>
+            <a:r>
+              <a:rPr lang="en-US" b="1" dirty="0"/>
+              <a:t>Key SQL analysis performed.</a:t>
+            </a:r>
+          </a:p>
+          <a:p>
+            <a:r>
+              <a:rPr lang="en-US" sz="1600" dirty="0"/>
+              <a:t>Aggregation Transaction volume and Total monetary flow</a:t>
+            </a:r>
+          </a:p>
+          <a:p>
+            <a:r>
+              <a:rPr lang="en-US" sz="1600" dirty="0"/>
+              <a:t>Calculated Fraud rate and avg risk score</a:t>
+            </a:r>
+          </a:p>
+          <a:p>
+            <a:r>
+              <a:rPr lang="en-US" sz="1600" dirty="0"/>
+              <a:t>Identified high-risk Merchant category and </a:t>
+            </a:r>
+            <a:r>
+              <a:rPr lang="en-US" sz="1600"/>
+              <a:t>Transaction type</a:t>
+            </a:r>
+            <a:endParaRPr lang="en-US" sz="1600" dirty="0"/>
+          </a:p>
+          <a:p>
+            <a:r>
+              <a:rPr lang="en-US" sz="1600" dirty="0"/>
+              <a:t>Time-series trend extraction</a:t>
+            </a:r>
+          </a:p>
+          <a:p>
+            <a:pPr marL="0" indent="0">
+              <a:buNone/>
+            </a:pPr>
+            <a:r>
+              <a:rPr lang="en-US" dirty="0"/>
+              <a:t>This layer ensure accurate KPIs and reusable logic before visualization.</a:t>
+            </a:r>
+          </a:p>
+          <a:p>
+            <a:pPr marL="0" indent="0">
+              <a:buNone/>
+            </a:pPr>
+            <a:endParaRPr lang="en-US" dirty="0"/>
+          </a:p>
+          <a:p>
+            <a:pPr marL="0" indent="0">
+              <a:buNone/>
+            </a:pPr>
+            <a:r>
+              <a:rPr lang="en-US" dirty="0"/>
+              <a:t>DO THIS SLIDE AGAIN</a:t>
+            </a:r>
+          </a:p>
+        </p:txBody>
+      </p:sp>
+    </p:spTree>
+    <p:extLst>
+      <p:ext uri="{BB962C8B-B14F-4D97-AF65-F5344CB8AC3E}">
+        <p14:creationId xmlns:p14="http://schemas.microsoft.com/office/powerpoint/2010/main" val="1674953985"/>
+      </p:ext>
+    </p:extLst>
+  </p:cSld>
+  <p:clrMapOvr>
+    <a:masterClrMapping/>
+  </p:clrMapOvr>
+</p:sld>
+</file>
+
+<file path=ppt/slides/slide9.xml><?xml version="1.0" encoding="utf-8"?>
+<p:sld xmlns:a="http://schemas.openxmlformats.org/drawingml/2006/main" xmlns:r="http://schemas.openxmlformats.org/officeDocument/2006/relationships" xmlns:p="http://schemas.openxmlformats.org/presentationml/2006/main">
+  <p:cSld>
+    <p:spTree>
+      <p:nvGrpSpPr>
+        <p:cNvPr id="1" name=""/>
+        <p:cNvGrpSpPr/>
+        <p:nvPr/>
+      </p:nvGrpSpPr>
+      <p:grpSpPr>
+        <a:xfrm>
+          <a:off x="0" y="0"/>
+          <a:ext cx="0" cy="0"/>
+          <a:chOff x="0" y="0"/>
+          <a:chExt cx="0" cy="0"/>
+        </a:xfrm>
+      </p:grpSpPr>
+      <p:sp>
+        <p:nvSpPr>
+          <p:cNvPr id="2" name="Title 1">
+            <a:extLst>
+              <a:ext uri="{FF2B5EF4-FFF2-40B4-BE49-F238E27FC236}">
+                <a16:creationId xmlns:a16="http://schemas.microsoft.com/office/drawing/2014/main" id="{62044C42-26D3-9EE4-0E31-C9F9749B2E2C}"/>
+              </a:ext>
+            </a:extLst>
+          </p:cNvPr>
+          <p:cNvSpPr>
+            <a:spLocks noGrp="1"/>
+          </p:cNvSpPr>
+          <p:nvPr>
+            <p:ph type="title"/>
+          </p:nvPr>
+        </p:nvSpPr>
+        <p:spPr/>
+        <p:txBody>
+          <a:bodyPr/>
+          <a:lstStyle/>
+          <a:p>
+            <a:r>
+              <a:rPr lang="en-US" dirty="0"/>
+              <a:t>Key Performance Indicators (KPIs)</a:t>
+            </a:r>
+          </a:p>
+        </p:txBody>
+      </p:sp>
+      <p:sp>
+        <p:nvSpPr>
+          <p:cNvPr id="3" name="Content Placeholder 2">
+            <a:extLst>
+              <a:ext uri="{FF2B5EF4-FFF2-40B4-BE49-F238E27FC236}">
+                <a16:creationId xmlns:a16="http://schemas.microsoft.com/office/drawing/2014/main" id="{5AD7D877-273A-2C32-A25E-309BF2DD96F3}"/>
+              </a:ext>
+            </a:extLst>
+          </p:cNvPr>
+          <p:cNvSpPr>
+            <a:spLocks noGrp="1"/>
+          </p:cNvSpPr>
+          <p:nvPr>
+            <p:ph idx="1"/>
+          </p:nvPr>
+        </p:nvSpPr>
+        <p:spPr/>
+        <p:txBody>
+          <a:bodyPr/>
+          <a:lstStyle/>
+          <a:p>
+            <a:endParaRPr lang="en-US" dirty="0"/>
+          </a:p>
+        </p:txBody>
+      </p:sp>
+    </p:spTree>
+    <p:extLst>
+      <p:ext uri="{BB962C8B-B14F-4D97-AF65-F5344CB8AC3E}">
+        <p14:creationId xmlns:p14="http://schemas.microsoft.com/office/powerpoint/2010/main" val="2080373582"/>
       </p:ext>
     </p:extLst>
   </p:cSld>

--- a/Global Banking Fraud Detection & Risk Analysis Presentation.pptx
+++ b/Global Banking Fraud Detection & Risk Analysis Presentation.pptx
@@ -4,6 +4,9 @@
   <p:sldMasterIdLst>
     <p:sldMasterId id="2147483691" r:id="rId1"/>
   </p:sldMasterIdLst>
+  <p:notesMasterIdLst>
+    <p:notesMasterId r:id="rId12"/>
+  </p:notesMasterIdLst>
   <p:sldIdLst>
     <p:sldId id="256" r:id="rId2"/>
     <p:sldId id="257" r:id="rId3"/>
@@ -14,6 +17,7 @@
     <p:sldId id="262" r:id="rId8"/>
     <p:sldId id="263" r:id="rId9"/>
     <p:sldId id="264" r:id="rId10"/>
+    <p:sldId id="265" r:id="rId11"/>
   </p:sldIdLst>
   <p:sldSz cx="12192000" cy="6858000"/>
   <p:notesSz cx="6858000" cy="9144000"/>
@@ -123,7 +127,7 @@
 <file path=ppt/revisionInfo.xml><?xml version="1.0" encoding="utf-8"?>
 <p1510:revInfo xmlns:a="http://schemas.openxmlformats.org/drawingml/2006/main" xmlns:r="http://schemas.openxmlformats.org/officeDocument/2006/relationships" xmlns:p1510="http://schemas.microsoft.com/office/powerpoint/2015/10/main">
   <p1510:revLst>
-    <p1510:client id="{A7DD1D84-42FB-8245-BC58-A583FDB82811}" v="14" dt="2025-12-19T22:22:17.758"/>
+    <p1510:client id="{A7DD1D84-42FB-8245-BC58-A583FDB82811}" v="22" dt="2025-12-19T23:41:55.150"/>
   </p1510:revLst>
 </p1510:revInfo>
 </file>
@@ -133,7 +137,7 @@
   <pc:docChgLst>
     <pc:chgData name="Garv ." userId="517ebc9b-5a76-4003-9b3c-a98d08664bbd" providerId="ADAL" clId="{F659861F-A15D-5394-9866-47331A7A7B4B}"/>
     <pc:docChg chg="undo redo custSel addSld modSld">
-      <pc:chgData name="Garv ." userId="517ebc9b-5a76-4003-9b3c-a98d08664bbd" providerId="ADAL" clId="{F659861F-A15D-5394-9866-47331A7A7B4B}" dt="2025-12-19T22:23:16.878" v="1688" actId="20577"/>
+      <pc:chgData name="Garv ." userId="517ebc9b-5a76-4003-9b3c-a98d08664bbd" providerId="ADAL" clId="{F659861F-A15D-5394-9866-47331A7A7B4B}" dt="2025-12-19T23:44:26.774" v="4367" actId="1076"/>
       <pc:docMkLst>
         <pc:docMk/>
       </pc:docMkLst>
@@ -176,7 +180,7 @@
         </pc:spChg>
       </pc:sldChg>
       <pc:sldChg chg="addSp modSp new mod">
-        <pc:chgData name="Garv ." userId="517ebc9b-5a76-4003-9b3c-a98d08664bbd" providerId="ADAL" clId="{F659861F-A15D-5394-9866-47331A7A7B4B}" dt="2025-12-19T22:23:16.878" v="1688" actId="20577"/>
+        <pc:chgData name="Garv ." userId="517ebc9b-5a76-4003-9b3c-a98d08664bbd" providerId="ADAL" clId="{F659861F-A15D-5394-9866-47331A7A7B4B}" dt="2025-12-19T22:29:09.368" v="1698" actId="1076"/>
         <pc:sldMkLst>
           <pc:docMk/>
           <pc:sldMk cId="1674953985" sldId="263"/>
@@ -190,7 +194,7 @@
           </ac:spMkLst>
         </pc:spChg>
         <pc:spChg chg="mod">
-          <ac:chgData name="Garv ." userId="517ebc9b-5a76-4003-9b3c-a98d08664bbd" providerId="ADAL" clId="{F659861F-A15D-5394-9866-47331A7A7B4B}" dt="2025-12-19T22:23:16.878" v="1688" actId="20577"/>
+          <ac:chgData name="Garv ." userId="517ebc9b-5a76-4003-9b3c-a98d08664bbd" providerId="ADAL" clId="{F659861F-A15D-5394-9866-47331A7A7B4B}" dt="2025-12-19T22:29:09.368" v="1698" actId="1076"/>
           <ac:spMkLst>
             <pc:docMk/>
             <pc:sldMk cId="1674953985" sldId="263"/>
@@ -206,14 +210,14 @@
           </ac:spMkLst>
         </pc:spChg>
       </pc:sldChg>
-      <pc:sldChg chg="addSp delSp modSp new mod">
-        <pc:chgData name="Garv ." userId="517ebc9b-5a76-4003-9b3c-a98d08664bbd" providerId="ADAL" clId="{F659861F-A15D-5394-9866-47331A7A7B4B}" dt="2025-12-19T22:04:43.873" v="1072" actId="20577"/>
+      <pc:sldChg chg="addSp delSp modSp new mod setBg">
+        <pc:chgData name="Garv ." userId="517ebc9b-5a76-4003-9b3c-a98d08664bbd" providerId="ADAL" clId="{F659861F-A15D-5394-9866-47331A7A7B4B}" dt="2025-12-19T22:53:50.518" v="2274" actId="20577"/>
         <pc:sldMkLst>
           <pc:docMk/>
           <pc:sldMk cId="2080373582" sldId="264"/>
         </pc:sldMkLst>
         <pc:spChg chg="mod">
-          <ac:chgData name="Garv ." userId="517ebc9b-5a76-4003-9b3c-a98d08664bbd" providerId="ADAL" clId="{F659861F-A15D-5394-9866-47331A7A7B4B}" dt="2025-12-19T22:04:32.044" v="1046" actId="313"/>
+          <ac:chgData name="Garv ." userId="517ebc9b-5a76-4003-9b3c-a98d08664bbd" providerId="ADAL" clId="{F659861F-A15D-5394-9866-47331A7A7B4B}" dt="2025-12-19T22:52:31.290" v="2245" actId="26606"/>
           <ac:spMkLst>
             <pc:docMk/>
             <pc:sldMk cId="2080373582" sldId="264"/>
@@ -221,7 +225,7 @@
           </ac:spMkLst>
         </pc:spChg>
         <pc:spChg chg="add del mod">
-          <ac:chgData name="Garv ." userId="517ebc9b-5a76-4003-9b3c-a98d08664bbd" providerId="ADAL" clId="{F659861F-A15D-5394-9866-47331A7A7B4B}" dt="2025-12-19T22:04:43.873" v="1072" actId="20577"/>
+          <ac:chgData name="Garv ." userId="517ebc9b-5a76-4003-9b3c-a98d08664bbd" providerId="ADAL" clId="{F659861F-A15D-5394-9866-47331A7A7B4B}" dt="2025-12-19T22:53:50.518" v="2274" actId="20577"/>
           <ac:spMkLst>
             <pc:docMk/>
             <pc:sldMk cId="2080373582" sldId="264"/>
@@ -244,10 +248,802 @@
             <ac:picMk id="5" creationId="{618F1A1A-ACD6-1737-63EE-99219D3BF37B}"/>
           </ac:picMkLst>
         </pc:picChg>
+        <pc:picChg chg="add mod">
+          <ac:chgData name="Garv ." userId="517ebc9b-5a76-4003-9b3c-a98d08664bbd" providerId="ADAL" clId="{F659861F-A15D-5394-9866-47331A7A7B4B}" dt="2025-12-19T22:53:39.718" v="2270" actId="1076"/>
+          <ac:picMkLst>
+            <pc:docMk/>
+            <pc:sldMk cId="2080373582" sldId="264"/>
+            <ac:picMk id="8" creationId="{BA989132-4260-A351-7667-6014D216C390}"/>
+          </ac:picMkLst>
+        </pc:picChg>
+      </pc:sldChg>
+      <pc:sldChg chg="addSp delSp modSp new mod setBg setClrOvrMap">
+        <pc:chgData name="Garv ." userId="517ebc9b-5a76-4003-9b3c-a98d08664bbd" providerId="ADAL" clId="{F659861F-A15D-5394-9866-47331A7A7B4B}" dt="2025-12-19T23:44:26.774" v="4367" actId="1076"/>
+        <pc:sldMkLst>
+          <pc:docMk/>
+          <pc:sldMk cId="3572818827" sldId="265"/>
+        </pc:sldMkLst>
+        <pc:spChg chg="mod">
+          <ac:chgData name="Garv ." userId="517ebc9b-5a76-4003-9b3c-a98d08664bbd" providerId="ADAL" clId="{F659861F-A15D-5394-9866-47331A7A7B4B}" dt="2025-12-19T23:43:47.108" v="4361" actId="14100"/>
+          <ac:spMkLst>
+            <pc:docMk/>
+            <pc:sldMk cId="3572818827" sldId="265"/>
+            <ac:spMk id="2" creationId="{BCAD6E7B-97D4-2260-428B-0824607A9ADE}"/>
+          </ac:spMkLst>
+        </pc:spChg>
+        <pc:spChg chg="mod">
+          <ac:chgData name="Garv ." userId="517ebc9b-5a76-4003-9b3c-a98d08664bbd" providerId="ADAL" clId="{F659861F-A15D-5394-9866-47331A7A7B4B}" dt="2025-12-19T23:44:18.408" v="4366" actId="1076"/>
+          <ac:spMkLst>
+            <pc:docMk/>
+            <pc:sldMk cId="3572818827" sldId="265"/>
+            <ac:spMk id="3" creationId="{944A0FCD-F4CC-46B4-AB90-DF08A0C554F4}"/>
+          </ac:spMkLst>
+        </pc:spChg>
+        <pc:spChg chg="add del">
+          <ac:chgData name="Garv ." userId="517ebc9b-5a76-4003-9b3c-a98d08664bbd" providerId="ADAL" clId="{F659861F-A15D-5394-9866-47331A7A7B4B}" dt="2025-12-19T23:06:35.322" v="2840" actId="26606"/>
+          <ac:spMkLst>
+            <pc:docMk/>
+            <pc:sldMk cId="3572818827" sldId="265"/>
+            <ac:spMk id="7" creationId="{E9D11FD5-487C-4A6B-836F-3831DC830FB7}"/>
+          </ac:spMkLst>
+        </pc:spChg>
+        <pc:spChg chg="add del">
+          <ac:chgData name="Garv ." userId="517ebc9b-5a76-4003-9b3c-a98d08664bbd" providerId="ADAL" clId="{F659861F-A15D-5394-9866-47331A7A7B4B}" dt="2025-12-19T23:06:35.322" v="2840" actId="26606"/>
+          <ac:spMkLst>
+            <pc:docMk/>
+            <pc:sldMk cId="3572818827" sldId="265"/>
+            <ac:spMk id="8" creationId="{99765169-F70D-4841-BE65-62E10CBED84D}"/>
+          </ac:spMkLst>
+        </pc:spChg>
+        <pc:spChg chg="add del">
+          <ac:chgData name="Garv ." userId="517ebc9b-5a76-4003-9b3c-a98d08664bbd" providerId="ADAL" clId="{F659861F-A15D-5394-9866-47331A7A7B4B}" dt="2025-12-19T23:06:41.706" v="2842" actId="26606"/>
+          <ac:spMkLst>
+            <pc:docMk/>
+            <pc:sldMk cId="3572818827" sldId="265"/>
+            <ac:spMk id="9" creationId="{7A5FC171-5EF1-470A-B19B-DB937973D2A7}"/>
+          </ac:spMkLst>
+        </pc:spChg>
+        <pc:spChg chg="add del">
+          <ac:chgData name="Garv ." userId="517ebc9b-5a76-4003-9b3c-a98d08664bbd" providerId="ADAL" clId="{F659861F-A15D-5394-9866-47331A7A7B4B}" dt="2025-12-19T23:05:46.208" v="2828" actId="26606"/>
+          <ac:spMkLst>
+            <pc:docMk/>
+            <pc:sldMk cId="3572818827" sldId="265"/>
+            <ac:spMk id="10" creationId="{35879851-1A1D-4246-AAA1-C484E858337D}"/>
+          </ac:spMkLst>
+        </pc:spChg>
+        <pc:spChg chg="add del">
+          <ac:chgData name="Garv ." userId="517ebc9b-5a76-4003-9b3c-a98d08664bbd" providerId="ADAL" clId="{F659861F-A15D-5394-9866-47331A7A7B4B}" dt="2025-12-19T23:06:35.322" v="2840" actId="26606"/>
+          <ac:spMkLst>
+            <pc:docMk/>
+            <pc:sldMk cId="3572818827" sldId="265"/>
+            <ac:spMk id="14" creationId="{2A2CC818-8106-45C0-93D5-7051F99F2C81}"/>
+          </ac:spMkLst>
+        </pc:spChg>
+        <pc:spChg chg="add del">
+          <ac:chgData name="Garv ." userId="517ebc9b-5a76-4003-9b3c-a98d08664bbd" providerId="ADAL" clId="{F659861F-A15D-5394-9866-47331A7A7B4B}" dt="2025-12-19T23:05:57.146" v="2830" actId="26606"/>
+          <ac:spMkLst>
+            <pc:docMk/>
+            <pc:sldMk cId="3572818827" sldId="265"/>
+            <ac:spMk id="25" creationId="{7A5FC171-5EF1-470A-B19B-DB937973D2A7}"/>
+          </ac:spMkLst>
+        </pc:spChg>
+        <pc:spChg chg="add del">
+          <ac:chgData name="Garv ." userId="517ebc9b-5a76-4003-9b3c-a98d08664bbd" providerId="ADAL" clId="{F659861F-A15D-5394-9866-47331A7A7B4B}" dt="2025-12-19T23:05:57.146" v="2830" actId="26606"/>
+          <ac:spMkLst>
+            <pc:docMk/>
+            <pc:sldMk cId="3572818827" sldId="265"/>
+            <ac:spMk id="40" creationId="{685D77DF-610F-4D0F-A3D2-4FBBC96640E4}"/>
+          </ac:spMkLst>
+        </pc:spChg>
+        <pc:spChg chg="add del">
+          <ac:chgData name="Garv ." userId="517ebc9b-5a76-4003-9b3c-a98d08664bbd" providerId="ADAL" clId="{F659861F-A15D-5394-9866-47331A7A7B4B}" dt="2025-12-19T23:05:57.146" v="2830" actId="26606"/>
+          <ac:spMkLst>
+            <pc:docMk/>
+            <pc:sldMk cId="3572818827" sldId="265"/>
+            <ac:spMk id="42" creationId="{2513384B-399F-47B1-9ABD-172607AA4E6E}"/>
+          </ac:spMkLst>
+        </pc:spChg>
+        <pc:spChg chg="add del">
+          <ac:chgData name="Garv ." userId="517ebc9b-5a76-4003-9b3c-a98d08664bbd" providerId="ADAL" clId="{F659861F-A15D-5394-9866-47331A7A7B4B}" dt="2025-12-19T23:06:41.706" v="2842" actId="26606"/>
+          <ac:spMkLst>
+            <pc:docMk/>
+            <pc:sldMk cId="3572818827" sldId="265"/>
+            <ac:spMk id="43" creationId="{685D77DF-610F-4D0F-A3D2-4FBBC96640E4}"/>
+          </ac:spMkLst>
+        </pc:spChg>
+        <pc:spChg chg="add del">
+          <ac:chgData name="Garv ." userId="517ebc9b-5a76-4003-9b3c-a98d08664bbd" providerId="ADAL" clId="{F659861F-A15D-5394-9866-47331A7A7B4B}" dt="2025-12-19T23:06:00.192" v="2832" actId="26606"/>
+          <ac:spMkLst>
+            <pc:docMk/>
+            <pc:sldMk cId="3572818827" sldId="265"/>
+            <ac:spMk id="44" creationId="{7A5FC171-5EF1-470A-B19B-DB937973D2A7}"/>
+          </ac:spMkLst>
+        </pc:spChg>
+        <pc:spChg chg="add del">
+          <ac:chgData name="Garv ." userId="517ebc9b-5a76-4003-9b3c-a98d08664bbd" providerId="ADAL" clId="{F659861F-A15D-5394-9866-47331A7A7B4B}" dt="2025-12-19T23:06:00.192" v="2832" actId="26606"/>
+          <ac:spMkLst>
+            <pc:docMk/>
+            <pc:sldMk cId="3572818827" sldId="265"/>
+            <ac:spMk id="45" creationId="{685D77DF-610F-4D0F-A3D2-4FBBC96640E4}"/>
+          </ac:spMkLst>
+        </pc:spChg>
+        <pc:spChg chg="add del">
+          <ac:chgData name="Garv ." userId="517ebc9b-5a76-4003-9b3c-a98d08664bbd" providerId="ADAL" clId="{F659861F-A15D-5394-9866-47331A7A7B4B}" dt="2025-12-19T23:06:00.192" v="2832" actId="26606"/>
+          <ac:spMkLst>
+            <pc:docMk/>
+            <pc:sldMk cId="3572818827" sldId="265"/>
+            <ac:spMk id="46" creationId="{2513384B-399F-47B1-9ABD-172607AA4E6E}"/>
+          </ac:spMkLst>
+        </pc:spChg>
+        <pc:spChg chg="add del">
+          <ac:chgData name="Garv ." userId="517ebc9b-5a76-4003-9b3c-a98d08664bbd" providerId="ADAL" clId="{F659861F-A15D-5394-9866-47331A7A7B4B}" dt="2025-12-19T23:06:41.706" v="2842" actId="26606"/>
+          <ac:spMkLst>
+            <pc:docMk/>
+            <pc:sldMk cId="3572818827" sldId="265"/>
+            <ac:spMk id="47" creationId="{2513384B-399F-47B1-9ABD-172607AA4E6E}"/>
+          </ac:spMkLst>
+        </pc:spChg>
+        <pc:spChg chg="add del">
+          <ac:chgData name="Garv ." userId="517ebc9b-5a76-4003-9b3c-a98d08664bbd" providerId="ADAL" clId="{F659861F-A15D-5394-9866-47331A7A7B4B}" dt="2025-12-19T23:06:03.976" v="2834" actId="26606"/>
+          <ac:spMkLst>
+            <pc:docMk/>
+            <pc:sldMk cId="3572818827" sldId="265"/>
+            <ac:spMk id="48" creationId="{A5A47686-9FEE-4CF5-850A-81E28E6AA48D}"/>
+          </ac:spMkLst>
+        </pc:spChg>
+        <pc:spChg chg="add del">
+          <ac:chgData name="Garv ." userId="517ebc9b-5a76-4003-9b3c-a98d08664bbd" providerId="ADAL" clId="{F659861F-A15D-5394-9866-47331A7A7B4B}" dt="2025-12-19T23:41:46.448" v="4318" actId="26606"/>
+          <ac:spMkLst>
+            <pc:docMk/>
+            <pc:sldMk cId="3572818827" sldId="265"/>
+            <ac:spMk id="54" creationId="{35879851-1A1D-4246-AAA1-C484E858337D}"/>
+          </ac:spMkLst>
+        </pc:spChg>
+        <pc:spChg chg="add del">
+          <ac:chgData name="Garv ." userId="517ebc9b-5a76-4003-9b3c-a98d08664bbd" providerId="ADAL" clId="{F659861F-A15D-5394-9866-47331A7A7B4B}" dt="2025-12-19T23:42:04.996" v="4324" actId="26606"/>
+          <ac:spMkLst>
+            <pc:docMk/>
+            <pc:sldMk cId="3572818827" sldId="265"/>
+            <ac:spMk id="56" creationId="{7A5FC171-5EF1-470A-B19B-DB937973D2A7}"/>
+          </ac:spMkLst>
+        </pc:spChg>
+        <pc:spChg chg="add del">
+          <ac:chgData name="Garv ." userId="517ebc9b-5a76-4003-9b3c-a98d08664bbd" providerId="ADAL" clId="{F659861F-A15D-5394-9866-47331A7A7B4B}" dt="2025-12-19T23:42:13.526" v="4329" actId="26606"/>
+          <ac:spMkLst>
+            <pc:docMk/>
+            <pc:sldMk cId="3572818827" sldId="265"/>
+            <ac:spMk id="60" creationId="{531E865F-583A-41A7-8FC4-630555C081EA}"/>
+          </ac:spMkLst>
+        </pc:spChg>
+        <pc:spChg chg="add del">
+          <ac:chgData name="Garv ." userId="517ebc9b-5a76-4003-9b3c-a98d08664bbd" providerId="ADAL" clId="{F659861F-A15D-5394-9866-47331A7A7B4B}" dt="2025-12-19T23:42:04.996" v="4324" actId="26606"/>
+          <ac:spMkLst>
+            <pc:docMk/>
+            <pc:sldMk cId="3572818827" sldId="265"/>
+            <ac:spMk id="86" creationId="{685D77DF-610F-4D0F-A3D2-4FBBC96640E4}"/>
+          </ac:spMkLst>
+        </pc:spChg>
+        <pc:spChg chg="add del">
+          <ac:chgData name="Garv ." userId="517ebc9b-5a76-4003-9b3c-a98d08664bbd" providerId="ADAL" clId="{F659861F-A15D-5394-9866-47331A7A7B4B}" dt="2025-12-19T23:42:04.996" v="4324" actId="26606"/>
+          <ac:spMkLst>
+            <pc:docMk/>
+            <pc:sldMk cId="3572818827" sldId="265"/>
+            <ac:spMk id="88" creationId="{2513384B-399F-47B1-9ABD-172607AA4E6E}"/>
+          </ac:spMkLst>
+        </pc:spChg>
+        <pc:spChg chg="add del">
+          <ac:chgData name="Garv ." userId="517ebc9b-5a76-4003-9b3c-a98d08664bbd" providerId="ADAL" clId="{F659861F-A15D-5394-9866-47331A7A7B4B}" dt="2025-12-19T23:42:11.556" v="4327" actId="26606"/>
+          <ac:spMkLst>
+            <pc:docMk/>
+            <pc:sldMk cId="3572818827" sldId="265"/>
+            <ac:spMk id="90" creationId="{584FD149-94B6-4257-AB5B-C478E6038F9E}"/>
+          </ac:spMkLst>
+        </pc:spChg>
+        <pc:spChg chg="add del">
+          <ac:chgData name="Garv ." userId="517ebc9b-5a76-4003-9b3c-a98d08664bbd" providerId="ADAL" clId="{F659861F-A15D-5394-9866-47331A7A7B4B}" dt="2025-12-19T23:42:11.556" v="4327" actId="26606"/>
+          <ac:spMkLst>
+            <pc:docMk/>
+            <pc:sldMk cId="3572818827" sldId="265"/>
+            <ac:spMk id="91" creationId="{4743F4F4-276D-4A4D-930A-0530386F9820}"/>
+          </ac:spMkLst>
+        </pc:spChg>
+        <pc:spChg chg="add del">
+          <ac:chgData name="Garv ." userId="517ebc9b-5a76-4003-9b3c-a98d08664bbd" providerId="ADAL" clId="{F659861F-A15D-5394-9866-47331A7A7B4B}" dt="2025-12-19T23:42:11.556" v="4327" actId="26606"/>
+          <ac:spMkLst>
+            <pc:docMk/>
+            <pc:sldMk cId="3572818827" sldId="265"/>
+            <ac:spMk id="92" creationId="{AA1386B8-14BD-4682-B537-BC9027D6EDCB}"/>
+          </ac:spMkLst>
+        </pc:spChg>
+        <pc:spChg chg="add del">
+          <ac:chgData name="Garv ." userId="517ebc9b-5a76-4003-9b3c-a98d08664bbd" providerId="ADAL" clId="{F659861F-A15D-5394-9866-47331A7A7B4B}" dt="2025-12-19T23:42:13.526" v="4329" actId="26606"/>
+          <ac:spMkLst>
+            <pc:docMk/>
+            <pc:sldMk cId="3572818827" sldId="265"/>
+            <ac:spMk id="94" creationId="{35879851-1A1D-4246-AAA1-C484E858337D}"/>
+          </ac:spMkLst>
+        </pc:spChg>
+        <pc:spChg chg="add del">
+          <ac:chgData name="Garv ." userId="517ebc9b-5a76-4003-9b3c-a98d08664bbd" providerId="ADAL" clId="{F659861F-A15D-5394-9866-47331A7A7B4B}" dt="2025-12-19T23:42:13.526" v="4329" actId="26606"/>
+          <ac:spMkLst>
+            <pc:docMk/>
+            <pc:sldMk cId="3572818827" sldId="265"/>
+            <ac:spMk id="95" creationId="{047FC0EE-347A-48CD-B437-8E3C1E68071C}"/>
+          </ac:spMkLst>
+        </pc:spChg>
+        <pc:spChg chg="add del">
+          <ac:chgData name="Garv ." userId="517ebc9b-5a76-4003-9b3c-a98d08664bbd" providerId="ADAL" clId="{F659861F-A15D-5394-9866-47331A7A7B4B}" dt="2025-12-19T23:42:19.423" v="4331" actId="26606"/>
+          <ac:spMkLst>
+            <pc:docMk/>
+            <pc:sldMk cId="3572818827" sldId="265"/>
+            <ac:spMk id="97" creationId="{2B258D2B-6AC3-4B3A-A87C-FD7E6517826E}"/>
+          </ac:spMkLst>
+        </pc:spChg>
+        <pc:spChg chg="add del">
+          <ac:chgData name="Garv ." userId="517ebc9b-5a76-4003-9b3c-a98d08664bbd" providerId="ADAL" clId="{F659861F-A15D-5394-9866-47331A7A7B4B}" dt="2025-12-19T23:42:19.423" v="4331" actId="26606"/>
+          <ac:spMkLst>
+            <pc:docMk/>
+            <pc:sldMk cId="3572818827" sldId="265"/>
+            <ac:spMk id="98" creationId="{8D55DD8B-9BF9-4B91-A22D-2D3F2AEFF189}"/>
+          </ac:spMkLst>
+        </pc:spChg>
+        <pc:spChg chg="add del">
+          <ac:chgData name="Garv ." userId="517ebc9b-5a76-4003-9b3c-a98d08664bbd" providerId="ADAL" clId="{F659861F-A15D-5394-9866-47331A7A7B4B}" dt="2025-12-19T23:42:20.654" v="4334" actId="26606"/>
+          <ac:spMkLst>
+            <pc:docMk/>
+            <pc:sldMk cId="3572818827" sldId="265"/>
+            <ac:spMk id="100" creationId="{A45303F1-AF94-4311-B5EF-A9C5F6D18D94}"/>
+          </ac:spMkLst>
+        </pc:spChg>
+        <pc:spChg chg="add del">
+          <ac:chgData name="Garv ." userId="517ebc9b-5a76-4003-9b3c-a98d08664bbd" providerId="ADAL" clId="{F659861F-A15D-5394-9866-47331A7A7B4B}" dt="2025-12-19T23:42:20.654" v="4334" actId="26606"/>
+          <ac:spMkLst>
+            <pc:docMk/>
+            <pc:sldMk cId="3572818827" sldId="265"/>
+            <ac:spMk id="101" creationId="{11310D98-E16D-4AA1-8834-28F2202C0CC3}"/>
+          </ac:spMkLst>
+        </pc:spChg>
+        <pc:spChg chg="add del">
+          <ac:chgData name="Garv ." userId="517ebc9b-5a76-4003-9b3c-a98d08664bbd" providerId="ADAL" clId="{F659861F-A15D-5394-9866-47331A7A7B4B}" dt="2025-12-19T23:42:20.654" v="4334" actId="26606"/>
+          <ac:spMkLst>
+            <pc:docMk/>
+            <pc:sldMk cId="3572818827" sldId="265"/>
+            <ac:spMk id="102" creationId="{5B65E675-687B-4B31-9CB4-880C4620538F}"/>
+          </ac:spMkLst>
+        </pc:spChg>
+        <pc:spChg chg="add del">
+          <ac:chgData name="Garv ." userId="517ebc9b-5a76-4003-9b3c-a98d08664bbd" providerId="ADAL" clId="{F659861F-A15D-5394-9866-47331A7A7B4B}" dt="2025-12-19T23:42:26.849" v="4336" actId="26606"/>
+          <ac:spMkLst>
+            <pc:docMk/>
+            <pc:sldMk cId="3572818827" sldId="265"/>
+            <ac:spMk id="104" creationId="{7A5FC171-5EF1-470A-B19B-DB937973D2A7}"/>
+          </ac:spMkLst>
+        </pc:spChg>
+        <pc:spChg chg="add del">
+          <ac:chgData name="Garv ." userId="517ebc9b-5a76-4003-9b3c-a98d08664bbd" providerId="ADAL" clId="{F659861F-A15D-5394-9866-47331A7A7B4B}" dt="2025-12-19T23:42:26.849" v="4336" actId="26606"/>
+          <ac:spMkLst>
+            <pc:docMk/>
+            <pc:sldMk cId="3572818827" sldId="265"/>
+            <ac:spMk id="105" creationId="{685D77DF-610F-4D0F-A3D2-4FBBC96640E4}"/>
+          </ac:spMkLst>
+        </pc:spChg>
+        <pc:spChg chg="add del">
+          <ac:chgData name="Garv ." userId="517ebc9b-5a76-4003-9b3c-a98d08664bbd" providerId="ADAL" clId="{F659861F-A15D-5394-9866-47331A7A7B4B}" dt="2025-12-19T23:42:26.849" v="4336" actId="26606"/>
+          <ac:spMkLst>
+            <pc:docMk/>
+            <pc:sldMk cId="3572818827" sldId="265"/>
+            <ac:spMk id="106" creationId="{2513384B-399F-47B1-9ABD-172607AA4E6E}"/>
+          </ac:spMkLst>
+        </pc:spChg>
+        <pc:grpChg chg="add del">
+          <ac:chgData name="Garv ." userId="517ebc9b-5a76-4003-9b3c-a98d08664bbd" providerId="ADAL" clId="{F659861F-A15D-5394-9866-47331A7A7B4B}" dt="2025-12-19T23:06:41.706" v="2842" actId="26606"/>
+          <ac:grpSpMkLst>
+            <pc:docMk/>
+            <pc:sldMk cId="3572818827" sldId="265"/>
+            <ac:grpSpMk id="11" creationId="{AAD68EE7-6E6F-4168-83FE-BCDDC20F569D}"/>
+          </ac:grpSpMkLst>
+        </pc:grpChg>
+        <pc:grpChg chg="add del">
+          <ac:chgData name="Garv ." userId="517ebc9b-5a76-4003-9b3c-a98d08664bbd" providerId="ADAL" clId="{F659861F-A15D-5394-9866-47331A7A7B4B}" dt="2025-12-19T23:05:57.146" v="2830" actId="26606"/>
+          <ac:grpSpMkLst>
+            <pc:docMk/>
+            <pc:sldMk cId="3572818827" sldId="265"/>
+            <ac:grpSpMk id="12" creationId="{AAD68EE7-6E6F-4168-83FE-BCDDC20F569D}"/>
+          </ac:grpSpMkLst>
+        </pc:grpChg>
+        <pc:grpChg chg="add del">
+          <ac:chgData name="Garv ." userId="517ebc9b-5a76-4003-9b3c-a98d08664bbd" providerId="ADAL" clId="{F659861F-A15D-5394-9866-47331A7A7B4B}" dt="2025-12-19T23:05:57.146" v="2830" actId="26606"/>
+          <ac:grpSpMkLst>
+            <pc:docMk/>
+            <pc:sldMk cId="3572818827" sldId="265"/>
+            <ac:grpSpMk id="26" creationId="{4D8D5B2B-7539-4692-96C7-956FDD481D65}"/>
+          </ac:grpSpMkLst>
+        </pc:grpChg>
+        <pc:grpChg chg="add del">
+          <ac:chgData name="Garv ." userId="517ebc9b-5a76-4003-9b3c-a98d08664bbd" providerId="ADAL" clId="{F659861F-A15D-5394-9866-47331A7A7B4B}" dt="2025-12-19T23:06:41.706" v="2842" actId="26606"/>
+          <ac:grpSpMkLst>
+            <pc:docMk/>
+            <pc:sldMk cId="3572818827" sldId="265"/>
+            <ac:grpSpMk id="41" creationId="{4D8D5B2B-7539-4692-96C7-956FDD481D65}"/>
+          </ac:grpSpMkLst>
+        </pc:grpChg>
+        <pc:grpChg chg="add del">
+          <ac:chgData name="Garv ." userId="517ebc9b-5a76-4003-9b3c-a98d08664bbd" providerId="ADAL" clId="{F659861F-A15D-5394-9866-47331A7A7B4B}" dt="2025-12-19T23:42:04.996" v="4324" actId="26606"/>
+          <ac:grpSpMkLst>
+            <pc:docMk/>
+            <pc:sldMk cId="3572818827" sldId="265"/>
+            <ac:grpSpMk id="58" creationId="{AAD68EE7-6E6F-4168-83FE-BCDDC20F569D}"/>
+          </ac:grpSpMkLst>
+        </pc:grpChg>
+        <pc:grpChg chg="add del">
+          <ac:chgData name="Garv ." userId="517ebc9b-5a76-4003-9b3c-a98d08664bbd" providerId="ADAL" clId="{F659861F-A15D-5394-9866-47331A7A7B4B}" dt="2025-12-19T23:42:04.996" v="4324" actId="26606"/>
+          <ac:grpSpMkLst>
+            <pc:docMk/>
+            <pc:sldMk cId="3572818827" sldId="265"/>
+            <ac:grpSpMk id="72" creationId="{4D8D5B2B-7539-4692-96C7-956FDD481D65}"/>
+          </ac:grpSpMkLst>
+        </pc:grpChg>
+        <pc:picChg chg="add del mod ord">
+          <ac:chgData name="Garv ." userId="517ebc9b-5a76-4003-9b3c-a98d08664bbd" providerId="ADAL" clId="{F659861F-A15D-5394-9866-47331A7A7B4B}" dt="2025-12-19T23:08:21.757" v="2863" actId="931"/>
+          <ac:picMkLst>
+            <pc:docMk/>
+            <pc:sldMk cId="3572818827" sldId="265"/>
+            <ac:picMk id="5" creationId="{C29C9216-443D-9E26-9AF1-88A2BCD0C596}"/>
+          </ac:picMkLst>
+        </pc:picChg>
+        <pc:picChg chg="add del mod ord">
+          <ac:chgData name="Garv ." userId="517ebc9b-5a76-4003-9b3c-a98d08664bbd" providerId="ADAL" clId="{F659861F-A15D-5394-9866-47331A7A7B4B}" dt="2025-12-19T23:41:47.802" v="4319" actId="478"/>
+          <ac:picMkLst>
+            <pc:docMk/>
+            <pc:sldMk cId="3572818827" sldId="265"/>
+            <ac:picMk id="49" creationId="{F59F1272-08EA-1194-D244-7382A8568B54}"/>
+          </ac:picMkLst>
+        </pc:picChg>
+        <pc:picChg chg="add mod ord">
+          <ac:chgData name="Garv ." userId="517ebc9b-5a76-4003-9b3c-a98d08664bbd" providerId="ADAL" clId="{F659861F-A15D-5394-9866-47331A7A7B4B}" dt="2025-12-19T23:44:26.774" v="4367" actId="1076"/>
+          <ac:picMkLst>
+            <pc:docMk/>
+            <pc:sldMk cId="3572818827" sldId="265"/>
+            <ac:picMk id="51" creationId="{04AF317D-BB9D-31FA-CE33-C15E49E9735A}"/>
+          </ac:picMkLst>
+        </pc:picChg>
       </pc:sldChg>
     </pc:docChg>
   </pc:docChgLst>
 </pc:chgInfo>
+</file>
+
+<file path=ppt/notesMasters/notesMaster1.xml><?xml version="1.0" encoding="utf-8"?>
+<p:notesMaster xmlns:a="http://schemas.openxmlformats.org/drawingml/2006/main" xmlns:r="http://schemas.openxmlformats.org/officeDocument/2006/relationships" xmlns:p="http://schemas.openxmlformats.org/presentationml/2006/main">
+  <p:cSld>
+    <p:bg>
+      <p:bgRef idx="1001">
+        <a:schemeClr val="bg1"/>
+      </p:bgRef>
+    </p:bg>
+    <p:spTree>
+      <p:nvGrpSpPr>
+        <p:cNvPr id="1" name=""/>
+        <p:cNvGrpSpPr/>
+        <p:nvPr/>
+      </p:nvGrpSpPr>
+      <p:grpSpPr>
+        <a:xfrm>
+          <a:off x="0" y="0"/>
+          <a:ext cx="0" cy="0"/>
+          <a:chOff x="0" y="0"/>
+          <a:chExt cx="0" cy="0"/>
+        </a:xfrm>
+      </p:grpSpPr>
+      <p:sp>
+        <p:nvSpPr>
+          <p:cNvPr id="2" name="Header Placeholder 1"/>
+          <p:cNvSpPr>
+            <a:spLocks noGrp="1"/>
+          </p:cNvSpPr>
+          <p:nvPr>
+            <p:ph type="hdr" sz="quarter"/>
+          </p:nvPr>
+        </p:nvSpPr>
+        <p:spPr>
+          <a:xfrm>
+            <a:off x="0" y="0"/>
+            <a:ext cx="2971800" cy="458788"/>
+          </a:xfrm>
+          <a:prstGeom prst="rect">
+            <a:avLst/>
+          </a:prstGeom>
+        </p:spPr>
+        <p:txBody>
+          <a:bodyPr vert="horz" lIns="91440" tIns="45720" rIns="91440" bIns="45720" rtlCol="0"/>
+          <a:lstStyle>
+            <a:lvl1pPr algn="l">
+              <a:defRPr sz="1200"/>
+            </a:lvl1pPr>
+          </a:lstStyle>
+          <a:p>
+            <a:endParaRPr lang="en-US"/>
+          </a:p>
+        </p:txBody>
+      </p:sp>
+      <p:sp>
+        <p:nvSpPr>
+          <p:cNvPr id="3" name="Date Placeholder 2"/>
+          <p:cNvSpPr>
+            <a:spLocks noGrp="1"/>
+          </p:cNvSpPr>
+          <p:nvPr>
+            <p:ph type="dt" idx="1"/>
+          </p:nvPr>
+        </p:nvSpPr>
+        <p:spPr>
+          <a:xfrm>
+            <a:off x="3884613" y="0"/>
+            <a:ext cx="2971800" cy="458788"/>
+          </a:xfrm>
+          <a:prstGeom prst="rect">
+            <a:avLst/>
+          </a:prstGeom>
+        </p:spPr>
+        <p:txBody>
+          <a:bodyPr vert="horz" lIns="91440" tIns="45720" rIns="91440" bIns="45720" rtlCol="0"/>
+          <a:lstStyle>
+            <a:lvl1pPr algn="r">
+              <a:defRPr sz="1200"/>
+            </a:lvl1pPr>
+          </a:lstStyle>
+          <a:p>
+            <a:fld id="{D6BB672D-9F3E-8541-8BB8-F7B4BE0B57DD}" type="datetimeFigureOut">
+              <a:rPr lang="en-US" smtClean="0"/>
+              <a:t>12/19/25</a:t>
+            </a:fld>
+            <a:endParaRPr lang="en-US"/>
+          </a:p>
+        </p:txBody>
+      </p:sp>
+      <p:sp>
+        <p:nvSpPr>
+          <p:cNvPr id="4" name="Slide Image Placeholder 3"/>
+          <p:cNvSpPr>
+            <a:spLocks noGrp="1" noRot="1" noChangeAspect="1"/>
+          </p:cNvSpPr>
+          <p:nvPr>
+            <p:ph type="sldImg" idx="2"/>
+          </p:nvPr>
+        </p:nvSpPr>
+        <p:spPr>
+          <a:xfrm>
+            <a:off x="685800" y="1143000"/>
+            <a:ext cx="5486400" cy="3086100"/>
+          </a:xfrm>
+          <a:prstGeom prst="rect">
+            <a:avLst/>
+          </a:prstGeom>
+          <a:noFill/>
+          <a:ln w="12700">
+            <a:solidFill>
+              <a:prstClr val="black"/>
+            </a:solidFill>
+          </a:ln>
+        </p:spPr>
+        <p:txBody>
+          <a:bodyPr vert="horz" lIns="91440" tIns="45720" rIns="91440" bIns="45720" rtlCol="0" anchor="ctr"/>
+          <a:lstStyle/>
+          <a:p>
+            <a:endParaRPr lang="en-US"/>
+          </a:p>
+        </p:txBody>
+      </p:sp>
+      <p:sp>
+        <p:nvSpPr>
+          <p:cNvPr id="5" name="Notes Placeholder 4"/>
+          <p:cNvSpPr>
+            <a:spLocks noGrp="1"/>
+          </p:cNvSpPr>
+          <p:nvPr>
+            <p:ph type="body" sz="quarter" idx="3"/>
+          </p:nvPr>
+        </p:nvSpPr>
+        <p:spPr>
+          <a:xfrm>
+            <a:off x="685800" y="4400550"/>
+            <a:ext cx="5486400" cy="3600450"/>
+          </a:xfrm>
+          <a:prstGeom prst="rect">
+            <a:avLst/>
+          </a:prstGeom>
+        </p:spPr>
+        <p:txBody>
+          <a:bodyPr vert="horz" lIns="91440" tIns="45720" rIns="91440" bIns="45720" rtlCol="0"/>
+          <a:lstStyle/>
+          <a:p>
+            <a:pPr lvl="0"/>
+            <a:r>
+              <a:rPr lang="en-US"/>
+              <a:t>Click to edit Master text styles</a:t>
+            </a:r>
+          </a:p>
+          <a:p>
+            <a:pPr lvl="1"/>
+            <a:r>
+              <a:rPr lang="en-US"/>
+              <a:t>Second level</a:t>
+            </a:r>
+          </a:p>
+          <a:p>
+            <a:pPr lvl="2"/>
+            <a:r>
+              <a:rPr lang="en-US"/>
+              <a:t>Third level</a:t>
+            </a:r>
+          </a:p>
+          <a:p>
+            <a:pPr lvl="3"/>
+            <a:r>
+              <a:rPr lang="en-US"/>
+              <a:t>Fourth level</a:t>
+            </a:r>
+          </a:p>
+          <a:p>
+            <a:pPr lvl="4"/>
+            <a:r>
+              <a:rPr lang="en-US"/>
+              <a:t>Fifth level</a:t>
+            </a:r>
+          </a:p>
+        </p:txBody>
+      </p:sp>
+      <p:sp>
+        <p:nvSpPr>
+          <p:cNvPr id="6" name="Footer Placeholder 5"/>
+          <p:cNvSpPr>
+            <a:spLocks noGrp="1"/>
+          </p:cNvSpPr>
+          <p:nvPr>
+            <p:ph type="ftr" sz="quarter" idx="4"/>
+          </p:nvPr>
+        </p:nvSpPr>
+        <p:spPr>
+          <a:xfrm>
+            <a:off x="0" y="8685213"/>
+            <a:ext cx="2971800" cy="458787"/>
+          </a:xfrm>
+          <a:prstGeom prst="rect">
+            <a:avLst/>
+          </a:prstGeom>
+        </p:spPr>
+        <p:txBody>
+          <a:bodyPr vert="horz" lIns="91440" tIns="45720" rIns="91440" bIns="45720" rtlCol="0" anchor="b"/>
+          <a:lstStyle>
+            <a:lvl1pPr algn="l">
+              <a:defRPr sz="1200"/>
+            </a:lvl1pPr>
+          </a:lstStyle>
+          <a:p>
+            <a:endParaRPr lang="en-US"/>
+          </a:p>
+        </p:txBody>
+      </p:sp>
+      <p:sp>
+        <p:nvSpPr>
+          <p:cNvPr id="7" name="Slide Number Placeholder 6"/>
+          <p:cNvSpPr>
+            <a:spLocks noGrp="1"/>
+          </p:cNvSpPr>
+          <p:nvPr>
+            <p:ph type="sldNum" sz="quarter" idx="5"/>
+          </p:nvPr>
+        </p:nvSpPr>
+        <p:spPr>
+          <a:xfrm>
+            <a:off x="3884613" y="8685213"/>
+            <a:ext cx="2971800" cy="458787"/>
+          </a:xfrm>
+          <a:prstGeom prst="rect">
+            <a:avLst/>
+          </a:prstGeom>
+        </p:spPr>
+        <p:txBody>
+          <a:bodyPr vert="horz" lIns="91440" tIns="45720" rIns="91440" bIns="45720" rtlCol="0" anchor="b"/>
+          <a:lstStyle>
+            <a:lvl1pPr algn="r">
+              <a:defRPr sz="1200"/>
+            </a:lvl1pPr>
+          </a:lstStyle>
+          <a:p>
+            <a:fld id="{8DB07972-B102-724D-A569-81171A3FA379}" type="slidenum">
+              <a:rPr lang="en-US" smtClean="0"/>
+              <a:t>‹#›</a:t>
+            </a:fld>
+            <a:endParaRPr lang="en-US"/>
+          </a:p>
+        </p:txBody>
+      </p:sp>
+    </p:spTree>
+    <p:extLst>
+      <p:ext uri="{BB962C8B-B14F-4D97-AF65-F5344CB8AC3E}">
+        <p14:creationId xmlns:p14="http://schemas.microsoft.com/office/powerpoint/2010/main" val="2396594627"/>
+      </p:ext>
+    </p:extLst>
+  </p:cSld>
+  <p:clrMap bg1="lt1" tx1="dk1" bg2="lt2" tx2="dk2" accent1="accent1" accent2="accent2" accent3="accent3" accent4="accent4" accent5="accent5" accent6="accent6" hlink="hlink" folHlink="folHlink"/>
+  <p:notesStyle>
+    <a:lvl1pPr marL="0" algn="l" defTabSz="914400" rtl="0" eaLnBrk="1" latinLnBrk="0" hangingPunct="1">
+      <a:defRPr sz="1200" kern="1200">
+        <a:solidFill>
+          <a:schemeClr val="tx1"/>
+        </a:solidFill>
+        <a:latin typeface="+mn-lt"/>
+        <a:ea typeface="+mn-ea"/>
+        <a:cs typeface="+mn-cs"/>
+      </a:defRPr>
+    </a:lvl1pPr>
+    <a:lvl2pPr marL="457200" algn="l" defTabSz="914400" rtl="0" eaLnBrk="1" latinLnBrk="0" hangingPunct="1">
+      <a:defRPr sz="1200" kern="1200">
+        <a:solidFill>
+          <a:schemeClr val="tx1"/>
+        </a:solidFill>
+        <a:latin typeface="+mn-lt"/>
+        <a:ea typeface="+mn-ea"/>
+        <a:cs typeface="+mn-cs"/>
+      </a:defRPr>
+    </a:lvl2pPr>
+    <a:lvl3pPr marL="914400" algn="l" defTabSz="914400" rtl="0" eaLnBrk="1" latinLnBrk="0" hangingPunct="1">
+      <a:defRPr sz="1200" kern="1200">
+        <a:solidFill>
+          <a:schemeClr val="tx1"/>
+        </a:solidFill>
+        <a:latin typeface="+mn-lt"/>
+        <a:ea typeface="+mn-ea"/>
+        <a:cs typeface="+mn-cs"/>
+      </a:defRPr>
+    </a:lvl3pPr>
+    <a:lvl4pPr marL="1371600" algn="l" defTabSz="914400" rtl="0" eaLnBrk="1" latinLnBrk="0" hangingPunct="1">
+      <a:defRPr sz="1200" kern="1200">
+        <a:solidFill>
+          <a:schemeClr val="tx1"/>
+        </a:solidFill>
+        <a:latin typeface="+mn-lt"/>
+        <a:ea typeface="+mn-ea"/>
+        <a:cs typeface="+mn-cs"/>
+      </a:defRPr>
+    </a:lvl4pPr>
+    <a:lvl5pPr marL="1828800" algn="l" defTabSz="914400" rtl="0" eaLnBrk="1" latinLnBrk="0" hangingPunct="1">
+      <a:defRPr sz="1200" kern="1200">
+        <a:solidFill>
+          <a:schemeClr val="tx1"/>
+        </a:solidFill>
+        <a:latin typeface="+mn-lt"/>
+        <a:ea typeface="+mn-ea"/>
+        <a:cs typeface="+mn-cs"/>
+      </a:defRPr>
+    </a:lvl5pPr>
+    <a:lvl6pPr marL="2286000" algn="l" defTabSz="914400" rtl="0" eaLnBrk="1" latinLnBrk="0" hangingPunct="1">
+      <a:defRPr sz="1200" kern="1200">
+        <a:solidFill>
+          <a:schemeClr val="tx1"/>
+        </a:solidFill>
+        <a:latin typeface="+mn-lt"/>
+        <a:ea typeface="+mn-ea"/>
+        <a:cs typeface="+mn-cs"/>
+      </a:defRPr>
+    </a:lvl6pPr>
+    <a:lvl7pPr marL="2743200" algn="l" defTabSz="914400" rtl="0" eaLnBrk="1" latinLnBrk="0" hangingPunct="1">
+      <a:defRPr sz="1200" kern="1200">
+        <a:solidFill>
+          <a:schemeClr val="tx1"/>
+        </a:solidFill>
+        <a:latin typeface="+mn-lt"/>
+        <a:ea typeface="+mn-ea"/>
+        <a:cs typeface="+mn-cs"/>
+      </a:defRPr>
+    </a:lvl7pPr>
+    <a:lvl8pPr marL="3200400" algn="l" defTabSz="914400" rtl="0" eaLnBrk="1" latinLnBrk="0" hangingPunct="1">
+      <a:defRPr sz="1200" kern="1200">
+        <a:solidFill>
+          <a:schemeClr val="tx1"/>
+        </a:solidFill>
+        <a:latin typeface="+mn-lt"/>
+        <a:ea typeface="+mn-ea"/>
+        <a:cs typeface="+mn-cs"/>
+      </a:defRPr>
+    </a:lvl8pPr>
+    <a:lvl9pPr marL="3657600" algn="l" defTabSz="914400" rtl="0" eaLnBrk="1" latinLnBrk="0" hangingPunct="1">
+      <a:defRPr sz="1200" kern="1200">
+        <a:solidFill>
+          <a:schemeClr val="tx1"/>
+        </a:solidFill>
+        <a:latin typeface="+mn-lt"/>
+        <a:ea typeface="+mn-ea"/>
+        <a:cs typeface="+mn-cs"/>
+      </a:defRPr>
+    </a:lvl9pPr>
+  </p:notesStyle>
+</p:notesMaster>
+</file>
+
+<file path=ppt/notesSlides/notesSlide1.xml><?xml version="1.0" encoding="utf-8"?>
+<p:notes xmlns:a="http://schemas.openxmlformats.org/drawingml/2006/main" xmlns:r="http://schemas.openxmlformats.org/officeDocument/2006/relationships" xmlns:p="http://schemas.openxmlformats.org/presentationml/2006/main">
+  <p:cSld>
+    <p:spTree>
+      <p:nvGrpSpPr>
+        <p:cNvPr id="1" name=""/>
+        <p:cNvGrpSpPr/>
+        <p:nvPr/>
+      </p:nvGrpSpPr>
+      <p:grpSpPr>
+        <a:xfrm>
+          <a:off x="0" y="0"/>
+          <a:ext cx="0" cy="0"/>
+          <a:chOff x="0" y="0"/>
+          <a:chExt cx="0" cy="0"/>
+        </a:xfrm>
+      </p:grpSpPr>
+      <p:sp>
+        <p:nvSpPr>
+          <p:cNvPr id="2" name="Slide Image Placeholder 1"/>
+          <p:cNvSpPr>
+            <a:spLocks noGrp="1" noRot="1" noChangeAspect="1"/>
+          </p:cNvSpPr>
+          <p:nvPr>
+            <p:ph type="sldImg"/>
+          </p:nvPr>
+        </p:nvSpPr>
+        <p:spPr/>
+      </p:sp>
+      <p:sp>
+        <p:nvSpPr>
+          <p:cNvPr id="3" name="Notes Placeholder 2"/>
+          <p:cNvSpPr>
+            <a:spLocks noGrp="1"/>
+          </p:cNvSpPr>
+          <p:nvPr>
+            <p:ph type="body" idx="1"/>
+          </p:nvPr>
+        </p:nvSpPr>
+        <p:spPr/>
+        <p:txBody>
+          <a:bodyPr/>
+          <a:lstStyle/>
+          <a:p>
+            <a:endParaRPr lang="en-US" dirty="0"/>
+          </a:p>
+        </p:txBody>
+      </p:sp>
+      <p:sp>
+        <p:nvSpPr>
+          <p:cNvPr id="4" name="Slide Number Placeholder 3"/>
+          <p:cNvSpPr>
+            <a:spLocks noGrp="1"/>
+          </p:cNvSpPr>
+          <p:nvPr>
+            <p:ph type="sldNum" sz="quarter" idx="5"/>
+          </p:nvPr>
+        </p:nvSpPr>
+        <p:spPr/>
+        <p:txBody>
+          <a:bodyPr/>
+          <a:lstStyle/>
+          <a:p>
+            <a:fld id="{8DB07972-B102-724D-A569-81171A3FA379}" type="slidenum">
+              <a:rPr lang="en-US" smtClean="0"/>
+              <a:t>10</a:t>
+            </a:fld>
+            <a:endParaRPr lang="en-US"/>
+          </a:p>
+        </p:txBody>
+      </p:sp>
+    </p:spTree>
+    <p:extLst>
+      <p:ext uri="{BB962C8B-B14F-4D97-AF65-F5344CB8AC3E}">
+        <p14:creationId xmlns:p14="http://schemas.microsoft.com/office/powerpoint/2010/main" val="3781810813"/>
+      </p:ext>
+    </p:extLst>
+  </p:cSld>
+  <p:clrMapOvr>
+    <a:masterClrMapping/>
+  </p:clrMapOvr>
+</p:notes>
 </file>
 
 <file path=ppt/slideLayouts/slideLayout1.xml><?xml version="1.0" encoding="utf-8"?>
@@ -8176,6 +8972,379 @@
 </p:sld>
 </file>
 
+<file path=ppt/slides/slide10.xml><?xml version="1.0" encoding="utf-8"?>
+<p:sld xmlns:a="http://schemas.openxmlformats.org/drawingml/2006/main" xmlns:r="http://schemas.openxmlformats.org/officeDocument/2006/relationships" xmlns:p="http://schemas.openxmlformats.org/presentationml/2006/main">
+  <p:cSld>
+    <p:bg>
+      <p:bgPr>
+        <a:gradFill rotWithShape="1">
+          <a:gsLst>
+            <a:gs pos="0">
+              <a:schemeClr val="bg2">
+                <a:tint val="90000"/>
+                <a:lumMod val="120000"/>
+              </a:schemeClr>
+            </a:gs>
+            <a:gs pos="100000">
+              <a:schemeClr val="bg2">
+                <a:shade val="98000"/>
+                <a:satMod val="120000"/>
+                <a:lumMod val="98000"/>
+              </a:schemeClr>
+            </a:gs>
+          </a:gsLst>
+          <a:lin ang="5400000" scaled="0"/>
+        </a:gradFill>
+        <a:effectLst/>
+      </p:bgPr>
+    </p:bg>
+    <p:spTree>
+      <p:nvGrpSpPr>
+        <p:cNvPr id="1" name=""/>
+        <p:cNvGrpSpPr/>
+        <p:nvPr/>
+      </p:nvGrpSpPr>
+      <p:grpSpPr>
+        <a:xfrm>
+          <a:off x="0" y="0"/>
+          <a:ext cx="0" cy="0"/>
+          <a:chOff x="0" y="0"/>
+          <a:chExt cx="0" cy="0"/>
+        </a:xfrm>
+      </p:grpSpPr>
+      <p:sp>
+        <p:nvSpPr>
+          <p:cNvPr id="2" name="Title 1">
+            <a:extLst>
+              <a:ext uri="{FF2B5EF4-FFF2-40B4-BE49-F238E27FC236}">
+                <a16:creationId xmlns:a16="http://schemas.microsoft.com/office/drawing/2014/main" id="{BCAD6E7B-97D4-2260-428B-0824607A9ADE}"/>
+              </a:ext>
+            </a:extLst>
+          </p:cNvPr>
+          <p:cNvSpPr>
+            <a:spLocks noGrp="1"/>
+          </p:cNvSpPr>
+          <p:nvPr>
+            <p:ph type="title"/>
+          </p:nvPr>
+        </p:nvSpPr>
+        <p:spPr>
+          <a:xfrm>
+            <a:off x="1683956" y="759577"/>
+            <a:ext cx="8357511" cy="493490"/>
+          </a:xfrm>
+        </p:spPr>
+        <p:txBody>
+          <a:bodyPr>
+            <a:normAutofit/>
+          </a:bodyPr>
+          <a:lstStyle/>
+          <a:p>
+            <a:pPr>
+              <a:lnSpc>
+                <a:spcPct val="90000"/>
+              </a:lnSpc>
+            </a:pPr>
+            <a:r>
+              <a:rPr lang="en-US" sz="2700" dirty="0"/>
+              <a:t>Global Banking Transaction Flow &amp; Risk Overview</a:t>
+            </a:r>
+          </a:p>
+        </p:txBody>
+      </p:sp>
+      <p:sp>
+        <p:nvSpPr>
+          <p:cNvPr id="3" name="Content Placeholder 2">
+            <a:extLst>
+              <a:ext uri="{FF2B5EF4-FFF2-40B4-BE49-F238E27FC236}">
+                <a16:creationId xmlns:a16="http://schemas.microsoft.com/office/drawing/2014/main" id="{944A0FCD-F4CC-46B4-AB90-DF08A0C554F4}"/>
+              </a:ext>
+            </a:extLst>
+          </p:cNvPr>
+          <p:cNvSpPr>
+            <a:spLocks noGrp="1"/>
+          </p:cNvSpPr>
+          <p:nvPr>
+            <p:ph idx="1"/>
+          </p:nvPr>
+        </p:nvSpPr>
+        <p:spPr>
+          <a:xfrm>
+            <a:off x="1584510" y="1507049"/>
+            <a:ext cx="4278201" cy="4859868"/>
+          </a:xfrm>
+        </p:spPr>
+        <p:txBody>
+          <a:bodyPr>
+            <a:normAutofit/>
+          </a:bodyPr>
+          <a:lstStyle/>
+          <a:p>
+            <a:pPr marL="0" indent="0">
+              <a:lnSpc>
+                <a:spcPct val="90000"/>
+              </a:lnSpc>
+              <a:buNone/>
+            </a:pPr>
+            <a:r>
+              <a:rPr lang="en-US" sz="1000" dirty="0">
+                <a:solidFill>
+                  <a:srgbClr val="000000"/>
+                </a:solidFill>
+              </a:rPr>
+              <a:t>This dashboard consolidates volume, value, geography, channel usage, and fraud metrics into single narrative view.</a:t>
+            </a:r>
+          </a:p>
+          <a:p>
+            <a:pPr marL="0" indent="0">
+              <a:lnSpc>
+                <a:spcPct val="90000"/>
+              </a:lnSpc>
+              <a:buNone/>
+            </a:pPr>
+            <a:r>
+              <a:rPr lang="en-US" sz="1000" b="1" dirty="0">
+                <a:solidFill>
+                  <a:srgbClr val="000000"/>
+                </a:solidFill>
+              </a:rPr>
+              <a:t>What this dashboard answers:</a:t>
+            </a:r>
+          </a:p>
+          <a:p>
+            <a:pPr>
+              <a:lnSpc>
+                <a:spcPct val="90000"/>
+              </a:lnSpc>
+            </a:pPr>
+            <a:r>
+              <a:rPr lang="en-US" sz="1000" dirty="0">
+                <a:solidFill>
+                  <a:srgbClr val="000000"/>
+                </a:solidFill>
+              </a:rPr>
+              <a:t>How active is the global banking system overtime?</a:t>
+            </a:r>
+          </a:p>
+          <a:p>
+            <a:pPr lvl="1">
+              <a:lnSpc>
+                <a:spcPct val="90000"/>
+              </a:lnSpc>
+              <a:buFont typeface="Wingdings" pitchFamily="2" charset="2"/>
+              <a:buChar char="q"/>
+            </a:pPr>
+            <a:r>
+              <a:rPr lang="en-US" sz="1000" dirty="0">
+                <a:solidFill>
+                  <a:srgbClr val="000000"/>
+                </a:solidFill>
+              </a:rPr>
+              <a:t>System was active with an average of 1M Transaction Each Month, except some outliers.</a:t>
+            </a:r>
+          </a:p>
+          <a:p>
+            <a:pPr>
+              <a:lnSpc>
+                <a:spcPct val="90000"/>
+              </a:lnSpc>
+            </a:pPr>
+            <a:r>
+              <a:rPr lang="en-US" sz="1000" dirty="0">
+                <a:solidFill>
+                  <a:srgbClr val="000000"/>
+                </a:solidFill>
+              </a:rPr>
+              <a:t>Where is money concentrated geographically?</a:t>
+            </a:r>
+          </a:p>
+          <a:p>
+            <a:pPr lvl="1">
+              <a:lnSpc>
+                <a:spcPct val="90000"/>
+              </a:lnSpc>
+              <a:buFont typeface="Wingdings" pitchFamily="2" charset="2"/>
+              <a:buChar char="q"/>
+            </a:pPr>
+            <a:r>
+              <a:rPr lang="en-US" sz="1000" dirty="0">
+                <a:solidFill>
+                  <a:srgbClr val="000000"/>
+                </a:solidFill>
+              </a:rPr>
+              <a:t>Most amount is transferred from unknow country with 14M+ and France holding 2</a:t>
+            </a:r>
+            <a:r>
+              <a:rPr lang="en-US" sz="1000" baseline="30000" dirty="0">
+                <a:solidFill>
+                  <a:srgbClr val="000000"/>
+                </a:solidFill>
+              </a:rPr>
+              <a:t>nd</a:t>
+            </a:r>
+            <a:r>
+              <a:rPr lang="en-US" sz="1000" dirty="0">
+                <a:solidFill>
+                  <a:srgbClr val="000000"/>
+                </a:solidFill>
+              </a:rPr>
+              <a:t> with 8.5M+, then most of the countries having 7M in avg spending. India as last in list with 6.5M Transaction</a:t>
+            </a:r>
+          </a:p>
+          <a:p>
+            <a:pPr>
+              <a:lnSpc>
+                <a:spcPct val="90000"/>
+              </a:lnSpc>
+            </a:pPr>
+            <a:r>
+              <a:rPr lang="en-US" sz="1000" dirty="0">
+                <a:solidFill>
+                  <a:srgbClr val="000000"/>
+                </a:solidFill>
+              </a:rPr>
+              <a:t>How are customers transacting (digital vs physical)?</a:t>
+            </a:r>
+          </a:p>
+          <a:p>
+            <a:pPr lvl="1">
+              <a:lnSpc>
+                <a:spcPct val="90000"/>
+              </a:lnSpc>
+              <a:buFont typeface="Wingdings" pitchFamily="2" charset="2"/>
+              <a:buChar char="q"/>
+            </a:pPr>
+            <a:r>
+              <a:rPr lang="en-US" sz="1000" dirty="0">
+                <a:solidFill>
+                  <a:srgbClr val="000000"/>
+                </a:solidFill>
+              </a:rPr>
+              <a:t>Well customers preferring Digital transactions (Mobile + POS + Online) which is 75M+ in Total more then Physical with only 50M+ Transfers (ATM + Branch Visit). </a:t>
+            </a:r>
+          </a:p>
+          <a:p>
+            <a:pPr>
+              <a:lnSpc>
+                <a:spcPct val="90000"/>
+              </a:lnSpc>
+            </a:pPr>
+            <a:r>
+              <a:rPr lang="en-US" sz="1000" dirty="0">
+                <a:solidFill>
+                  <a:srgbClr val="000000"/>
+                </a:solidFill>
+              </a:rPr>
+              <a:t>What is the overall fraud exposure?</a:t>
+            </a:r>
+          </a:p>
+          <a:p>
+            <a:pPr lvl="1">
+              <a:lnSpc>
+                <a:spcPct val="90000"/>
+              </a:lnSpc>
+              <a:buFont typeface="Wingdings" pitchFamily="2" charset="2"/>
+              <a:buChar char="q"/>
+            </a:pPr>
+            <a:r>
+              <a:rPr lang="en-US" sz="1000" dirty="0">
+                <a:solidFill>
+                  <a:srgbClr val="000000"/>
+                </a:solidFill>
+              </a:rPr>
+              <a:t>There is in total of 2K Frauds with 18.65M of Money and most important think to note is the Average spending which comes out to be $9.45K each Transaction in case of fraud, whereas the normal Avg spending is around $800</a:t>
+            </a:r>
+          </a:p>
+          <a:p>
+            <a:pPr lvl="1">
+              <a:lnSpc>
+                <a:spcPct val="90000"/>
+              </a:lnSpc>
+              <a:buFont typeface="Wingdings" pitchFamily="2" charset="2"/>
+              <a:buChar char="q"/>
+            </a:pPr>
+            <a:r>
+              <a:rPr lang="en-US" sz="1000" dirty="0">
+                <a:solidFill>
+                  <a:srgbClr val="000000"/>
+                </a:solidFill>
+              </a:rPr>
+              <a:t>Canada is the 2</a:t>
+            </a:r>
+            <a:r>
+              <a:rPr lang="en-US" sz="1000" baseline="30000" dirty="0">
+                <a:solidFill>
+                  <a:srgbClr val="000000"/>
+                </a:solidFill>
+              </a:rPr>
+              <a:t>nd</a:t>
+            </a:r>
+            <a:r>
+              <a:rPr lang="en-US" sz="1000" dirty="0">
+                <a:solidFill>
+                  <a:srgbClr val="000000"/>
+                </a:solidFill>
+              </a:rPr>
+              <a:t> Know country for fraud transaction after Unknow with 1.6M+ total in money.</a:t>
+            </a:r>
+          </a:p>
+          <a:p>
+            <a:pPr>
+              <a:lnSpc>
+                <a:spcPct val="90000"/>
+              </a:lnSpc>
+            </a:pPr>
+            <a:endParaRPr lang="en-US" sz="1000" dirty="0">
+              <a:solidFill>
+                <a:srgbClr val="000000"/>
+              </a:solidFill>
+            </a:endParaRPr>
+          </a:p>
+        </p:txBody>
+      </p:sp>
+      <p:pic>
+        <p:nvPicPr>
+          <p:cNvPr id="51" name="Picture 50" descr="A screenshot of a graph&#10;&#10;AI-generated content may be incorrect.">
+            <a:extLst>
+              <a:ext uri="{FF2B5EF4-FFF2-40B4-BE49-F238E27FC236}">
+                <a16:creationId xmlns:a16="http://schemas.microsoft.com/office/drawing/2014/main" id="{04AF317D-BB9D-31FA-CE33-C15E49E9735A}"/>
+              </a:ext>
+            </a:extLst>
+          </p:cNvPr>
+          <p:cNvPicPr>
+            <a:picLocks noChangeAspect="1"/>
+          </p:cNvPicPr>
+          <p:nvPr/>
+        </p:nvPicPr>
+        <p:blipFill>
+          <a:blip r:embed="rId3"/>
+          <a:stretch>
+            <a:fillRect/>
+          </a:stretch>
+        </p:blipFill>
+        <p:spPr>
+          <a:xfrm>
+            <a:off x="5953691" y="2226699"/>
+            <a:ext cx="6081008" cy="3420567"/>
+          </a:xfrm>
+          <a:prstGeom prst="rect">
+            <a:avLst/>
+          </a:prstGeom>
+        </p:spPr>
+      </p:pic>
+    </p:spTree>
+    <p:extLst>
+      <p:ext uri="{BB962C8B-B14F-4D97-AF65-F5344CB8AC3E}">
+        <p14:creationId xmlns:p14="http://schemas.microsoft.com/office/powerpoint/2010/main" val="3572818827"/>
+      </p:ext>
+    </p:extLst>
+  </p:cSld>
+  <p:clrMapOvr>
+    <a:masterClrMapping/>
+  </p:clrMapOvr>
+</p:sld>
+</file>
+
 <file path=ppt/slides/slide2.xml><?xml version="1.0" encoding="utf-8"?>
 <p:sld xmlns:a="http://schemas.openxmlformats.org/drawingml/2006/main" xmlns:r="http://schemas.openxmlformats.org/officeDocument/2006/relationships" xmlns:p="http://schemas.openxmlformats.org/presentationml/2006/main">
   <p:cSld>
@@ -9039,13 +10208,13 @@
         </p:nvSpPr>
         <p:spPr>
           <a:xfrm>
-            <a:off x="2589212" y="1905000"/>
-            <a:ext cx="8915400" cy="3777622"/>
+            <a:off x="2589212" y="1721155"/>
+            <a:ext cx="8915400" cy="4605868"/>
           </a:xfrm>
         </p:spPr>
         <p:txBody>
           <a:bodyPr>
-            <a:normAutofit fontScale="85000" lnSpcReduction="20000"/>
+            <a:normAutofit/>
           </a:bodyPr>
           <a:lstStyle/>
           <a:p>
@@ -9090,13 +10259,8 @@
           <a:p>
             <a:r>
               <a:rPr lang="en-US" sz="1600" dirty="0"/>
-              <a:t>Identified high-risk Merchant category and </a:t>
-            </a:r>
-            <a:r>
-              <a:rPr lang="en-US" sz="1600"/>
-              <a:t>Transaction type</a:t>
-            </a:r>
-            <a:endParaRPr lang="en-US" sz="1600" dirty="0"/>
+              <a:t>Identified high-risk Merchant category and Transaction type</a:t>
+            </a:r>
           </a:p>
           <a:p>
             <a:r>
@@ -9118,15 +10282,6 @@
               <a:buNone/>
             </a:pPr>
             <a:endParaRPr lang="en-US" dirty="0"/>
-          </a:p>
-          <a:p>
-            <a:pPr marL="0" indent="0">
-              <a:buNone/>
-            </a:pPr>
-            <a:r>
-              <a:rPr lang="en-US" dirty="0"/>
-              <a:t>DO THIS SLIDE AGAIN</a:t>
-            </a:r>
           </a:p>
         </p:txBody>
       </p:sp>
@@ -9182,9 +10337,10 @@
           <a:lstStyle/>
           <a:p>
             <a:r>
-              <a:rPr lang="en-US" dirty="0"/>
+              <a:rPr lang="en-US"/>
               <a:t>Key Performance Indicators (KPIs)</a:t>
             </a:r>
+            <a:endParaRPr lang="en-US" dirty="0"/>
           </a:p>
         </p:txBody>
       </p:sp>
@@ -9204,15 +10360,65 @@
             <p:ph idx="1"/>
           </p:nvPr>
         </p:nvSpPr>
-        <p:spPr/>
+        <p:spPr>
+          <a:xfrm>
+            <a:off x="2589212" y="1905000"/>
+            <a:ext cx="8915400" cy="1677186"/>
+          </a:xfrm>
+        </p:spPr>
         <p:txBody>
           <a:bodyPr/>
           <a:lstStyle/>
           <a:p>
-            <a:endParaRPr lang="en-US" dirty="0"/>
-          </a:p>
-        </p:txBody>
-      </p:sp>
+            <a:pPr marL="0" indent="0">
+              <a:buNone/>
+            </a:pPr>
+            <a:r>
+              <a:rPr lang="en-US" dirty="0"/>
+              <a:t>Key Performance Indicators were designed to summarize the health, scale, and risk exposure of the banking system in a single view. Rather than focusing only on fraud counts, these KPIs capture transaction intensity, monetary impact, and behavioral risk, providing a balanced executive snapshot.</a:t>
+            </a:r>
+          </a:p>
+          <a:p>
+            <a:pPr marL="0" indent="0">
+              <a:buNone/>
+            </a:pPr>
+            <a:r>
+              <a:rPr lang="en-US" dirty="0"/>
+              <a:t>Together,  these indicators answer four critical questions:</a:t>
+            </a:r>
+          </a:p>
+        </p:txBody>
+      </p:sp>
+      <p:pic>
+        <p:nvPicPr>
+          <p:cNvPr id="8" name="Picture 7" descr="A price tag with black text&#10;&#10;AI-generated content may be incorrect.">
+            <a:extLst>
+              <a:ext uri="{FF2B5EF4-FFF2-40B4-BE49-F238E27FC236}">
+                <a16:creationId xmlns:a16="http://schemas.microsoft.com/office/drawing/2014/main" id="{BA989132-4260-A351-7667-6014D216C390}"/>
+              </a:ext>
+            </a:extLst>
+          </p:cNvPr>
+          <p:cNvPicPr>
+            <a:picLocks noChangeAspect="1"/>
+          </p:cNvPicPr>
+          <p:nvPr/>
+        </p:nvPicPr>
+        <p:blipFill>
+          <a:blip r:embed="rId2"/>
+          <a:stretch>
+            <a:fillRect/>
+          </a:stretch>
+        </p:blipFill>
+        <p:spPr>
+          <a:xfrm>
+            <a:off x="2589212" y="4269493"/>
+            <a:ext cx="8451300" cy="1187166"/>
+          </a:xfrm>
+          <a:prstGeom prst="rect">
+            <a:avLst/>
+          </a:prstGeom>
+        </p:spPr>
+      </p:pic>
     </p:spTree>
     <p:extLst>
       <p:ext uri="{BB962C8B-B14F-4D97-AF65-F5344CB8AC3E}">
@@ -9467,4 +10673,319 @@
     </a:ext>
   </a:extLst>
 </a:theme>
+</file>
+
+<file path=ppt/theme/theme2.xml><?xml version="1.0" encoding="utf-8"?>
+<a:theme xmlns:a="http://schemas.openxmlformats.org/drawingml/2006/main" name="Office Theme">
+  <a:themeElements>
+    <a:clrScheme name="Office">
+      <a:dk1>
+        <a:sysClr val="windowText" lastClr="000000"/>
+      </a:dk1>
+      <a:lt1>
+        <a:sysClr val="window" lastClr="FFFFFF"/>
+      </a:lt1>
+      <a:dk2>
+        <a:srgbClr val="0E2841"/>
+      </a:dk2>
+      <a:lt2>
+        <a:srgbClr val="E8E8E8"/>
+      </a:lt2>
+      <a:accent1>
+        <a:srgbClr val="156082"/>
+      </a:accent1>
+      <a:accent2>
+        <a:srgbClr val="E97132"/>
+      </a:accent2>
+      <a:accent3>
+        <a:srgbClr val="196B24"/>
+      </a:accent3>
+      <a:accent4>
+        <a:srgbClr val="0F9ED5"/>
+      </a:accent4>
+      <a:accent5>
+        <a:srgbClr val="A02B93"/>
+      </a:accent5>
+      <a:accent6>
+        <a:srgbClr val="4EA72E"/>
+      </a:accent6>
+      <a:hlink>
+        <a:srgbClr val="467886"/>
+      </a:hlink>
+      <a:folHlink>
+        <a:srgbClr val="96607D"/>
+      </a:folHlink>
+    </a:clrScheme>
+    <a:fontScheme name="Office">
+      <a:majorFont>
+        <a:latin typeface="Aptos Display" panose="02110004020202020204"/>
+        <a:ea typeface=""/>
+        <a:cs typeface=""/>
+        <a:font script="Jpan" typeface="游ゴシック Light"/>
+        <a:font script="Hang" typeface="맑은 고딕"/>
+        <a:font script="Hans" typeface="等线 Light"/>
+        <a:font script="Hant" typeface="新細明體"/>
+        <a:font script="Arab" typeface="Times New Roman"/>
+        <a:font script="Hebr" typeface="Times New Roman"/>
+        <a:font script="Thai" typeface="Angsana New"/>
+        <a:font script="Ethi" typeface="Nyala"/>
+        <a:font script="Beng" typeface="Vrinda"/>
+        <a:font script="Gujr" typeface="Shruti"/>
+        <a:font script="Khmr" typeface="MoolBoran"/>
+        <a:font script="Knda" typeface="Tunga"/>
+        <a:font script="Guru" typeface="Raavi"/>
+        <a:font script="Cans" typeface="Euphemia"/>
+        <a:font script="Cher" typeface="Plantagenet Cherokee"/>
+        <a:font script="Yiii" typeface="Microsoft Yi Baiti"/>
+        <a:font script="Tibt" typeface="Microsoft Himalaya"/>
+        <a:font script="Thaa" typeface="MV Boli"/>
+        <a:font script="Deva" typeface="Mangal"/>
+        <a:font script="Telu" typeface="Gautami"/>
+        <a:font script="Taml" typeface="Latha"/>
+        <a:font script="Syrc" typeface="Estrangelo Edessa"/>
+        <a:font script="Orya" typeface="Kalinga"/>
+        <a:font script="Mlym" typeface="Kartika"/>
+        <a:font script="Laoo" typeface="DokChampa"/>
+        <a:font script="Sinh" typeface="Iskoola Pota"/>
+        <a:font script="Mong" typeface="Mongolian Baiti"/>
+        <a:font script="Viet" typeface="Times New Roman"/>
+        <a:font script="Uigh" typeface="Microsoft Uighur"/>
+        <a:font script="Geor" typeface="Sylfaen"/>
+        <a:font script="Armn" typeface="Arial"/>
+        <a:font script="Bugi" typeface="Leelawadee UI"/>
+        <a:font script="Bopo" typeface="Microsoft JhengHei"/>
+        <a:font script="Java" typeface="Javanese Text"/>
+        <a:font script="Lisu" typeface="Segoe UI"/>
+        <a:font script="Mymr" typeface="Myanmar Text"/>
+        <a:font script="Nkoo" typeface="Ebrima"/>
+        <a:font script="Olck" typeface="Nirmala UI"/>
+        <a:font script="Osma" typeface="Ebrima"/>
+        <a:font script="Phag" typeface="Phagspa"/>
+        <a:font script="Syrn" typeface="Estrangelo Edessa"/>
+        <a:font script="Syrj" typeface="Estrangelo Edessa"/>
+        <a:font script="Syre" typeface="Estrangelo Edessa"/>
+        <a:font script="Sora" typeface="Nirmala UI"/>
+        <a:font script="Tale" typeface="Microsoft Tai Le"/>
+        <a:font script="Talu" typeface="Microsoft New Tai Lue"/>
+        <a:font script="Tfng" typeface="Ebrima"/>
+      </a:majorFont>
+      <a:minorFont>
+        <a:latin typeface="Aptos" panose="02110004020202020204"/>
+        <a:ea typeface=""/>
+        <a:cs typeface=""/>
+        <a:font script="Jpan" typeface="游ゴシック"/>
+        <a:font script="Hang" typeface="맑은 고딕"/>
+        <a:font script="Hans" typeface="等线"/>
+        <a:font script="Hant" typeface="新細明體"/>
+        <a:font script="Arab" typeface="Arial"/>
+        <a:font script="Hebr" typeface="Arial"/>
+        <a:font script="Thai" typeface="Cordia New"/>
+        <a:font script="Ethi" typeface="Nyala"/>
+        <a:font script="Beng" typeface="Vrinda"/>
+        <a:font script="Gujr" typeface="Shruti"/>
+        <a:font script="Khmr" typeface="DaunPenh"/>
+        <a:font script="Knda" typeface="Tunga"/>
+        <a:font script="Guru" typeface="Raavi"/>
+        <a:font script="Cans" typeface="Euphemia"/>
+        <a:font script="Cher" typeface="Plantagenet Cherokee"/>
+        <a:font script="Yiii" typeface="Microsoft Yi Baiti"/>
+        <a:font script="Tibt" typeface="Microsoft Himalaya"/>
+        <a:font script="Thaa" typeface="MV Boli"/>
+        <a:font script="Deva" typeface="Mangal"/>
+        <a:font script="Telu" typeface="Gautami"/>
+        <a:font script="Taml" typeface="Latha"/>
+        <a:font script="Syrc" typeface="Estrangelo Edessa"/>
+        <a:font script="Orya" typeface="Kalinga"/>
+        <a:font script="Mlym" typeface="Kartika"/>
+        <a:font script="Laoo" typeface="DokChampa"/>
+        <a:font script="Sinh" typeface="Iskoola Pota"/>
+        <a:font script="Mong" typeface="Mongolian Baiti"/>
+        <a:font script="Viet" typeface="Arial"/>
+        <a:font script="Uigh" typeface="Microsoft Uighur"/>
+        <a:font script="Geor" typeface="Sylfaen"/>
+        <a:font script="Armn" typeface="Arial"/>
+        <a:font script="Bugi" typeface="Leelawadee UI"/>
+        <a:font script="Bopo" typeface="Microsoft JhengHei"/>
+        <a:font script="Java" typeface="Javanese Text"/>
+        <a:font script="Lisu" typeface="Segoe UI"/>
+        <a:font script="Mymr" typeface="Myanmar Text"/>
+        <a:font script="Nkoo" typeface="Ebrima"/>
+        <a:font script="Olck" typeface="Nirmala UI"/>
+        <a:font script="Osma" typeface="Ebrima"/>
+        <a:font script="Phag" typeface="Phagspa"/>
+        <a:font script="Syrn" typeface="Estrangelo Edessa"/>
+        <a:font script="Syrj" typeface="Estrangelo Edessa"/>
+        <a:font script="Syre" typeface="Estrangelo Edessa"/>
+        <a:font script="Sora" typeface="Nirmala UI"/>
+        <a:font script="Tale" typeface="Microsoft Tai Le"/>
+        <a:font script="Talu" typeface="Microsoft New Tai Lue"/>
+        <a:font script="Tfng" typeface="Ebrima"/>
+      </a:minorFont>
+    </a:fontScheme>
+    <a:fmtScheme name="Office">
+      <a:fillStyleLst>
+        <a:solidFill>
+          <a:schemeClr val="phClr"/>
+        </a:solidFill>
+        <a:gradFill rotWithShape="1">
+          <a:gsLst>
+            <a:gs pos="0">
+              <a:schemeClr val="phClr">
+                <a:lumMod val="110000"/>
+                <a:satMod val="105000"/>
+                <a:tint val="67000"/>
+              </a:schemeClr>
+            </a:gs>
+            <a:gs pos="50000">
+              <a:schemeClr val="phClr">
+                <a:lumMod val="105000"/>
+                <a:satMod val="103000"/>
+                <a:tint val="73000"/>
+              </a:schemeClr>
+            </a:gs>
+            <a:gs pos="100000">
+              <a:schemeClr val="phClr">
+                <a:lumMod val="105000"/>
+                <a:satMod val="109000"/>
+                <a:tint val="81000"/>
+              </a:schemeClr>
+            </a:gs>
+          </a:gsLst>
+          <a:lin ang="5400000" scaled="0"/>
+        </a:gradFill>
+        <a:gradFill rotWithShape="1">
+          <a:gsLst>
+            <a:gs pos="0">
+              <a:schemeClr val="phClr">
+                <a:satMod val="103000"/>
+                <a:lumMod val="102000"/>
+                <a:tint val="94000"/>
+              </a:schemeClr>
+            </a:gs>
+            <a:gs pos="50000">
+              <a:schemeClr val="phClr">
+                <a:satMod val="110000"/>
+                <a:lumMod val="100000"/>
+                <a:shade val="100000"/>
+              </a:schemeClr>
+            </a:gs>
+            <a:gs pos="100000">
+              <a:schemeClr val="phClr">
+                <a:lumMod val="99000"/>
+                <a:satMod val="120000"/>
+                <a:shade val="78000"/>
+              </a:schemeClr>
+            </a:gs>
+          </a:gsLst>
+          <a:lin ang="5400000" scaled="0"/>
+        </a:gradFill>
+      </a:fillStyleLst>
+      <a:lnStyleLst>
+        <a:ln w="12700" cap="flat" cmpd="sng" algn="ctr">
+          <a:solidFill>
+            <a:schemeClr val="phClr"/>
+          </a:solidFill>
+          <a:prstDash val="solid"/>
+          <a:miter lim="800000"/>
+        </a:ln>
+        <a:ln w="19050" cap="flat" cmpd="sng" algn="ctr">
+          <a:solidFill>
+            <a:schemeClr val="phClr"/>
+          </a:solidFill>
+          <a:prstDash val="solid"/>
+          <a:miter lim="800000"/>
+        </a:ln>
+        <a:ln w="25400" cap="flat" cmpd="sng" algn="ctr">
+          <a:solidFill>
+            <a:schemeClr val="phClr"/>
+          </a:solidFill>
+          <a:prstDash val="solid"/>
+          <a:miter lim="800000"/>
+        </a:ln>
+      </a:lnStyleLst>
+      <a:effectStyleLst>
+        <a:effectStyle>
+          <a:effectLst/>
+        </a:effectStyle>
+        <a:effectStyle>
+          <a:effectLst/>
+        </a:effectStyle>
+        <a:effectStyle>
+          <a:effectLst>
+            <a:outerShdw blurRad="57150" dist="19050" dir="5400000" algn="ctr" rotWithShape="0">
+              <a:srgbClr val="000000">
+                <a:alpha val="63000"/>
+              </a:srgbClr>
+            </a:outerShdw>
+          </a:effectLst>
+        </a:effectStyle>
+      </a:effectStyleLst>
+      <a:bgFillStyleLst>
+        <a:solidFill>
+          <a:schemeClr val="phClr"/>
+        </a:solidFill>
+        <a:solidFill>
+          <a:schemeClr val="phClr">
+            <a:tint val="95000"/>
+            <a:satMod val="170000"/>
+          </a:schemeClr>
+        </a:solidFill>
+        <a:gradFill rotWithShape="1">
+          <a:gsLst>
+            <a:gs pos="0">
+              <a:schemeClr val="phClr">
+                <a:tint val="93000"/>
+                <a:satMod val="150000"/>
+                <a:shade val="98000"/>
+                <a:lumMod val="102000"/>
+              </a:schemeClr>
+            </a:gs>
+            <a:gs pos="50000">
+              <a:schemeClr val="phClr">
+                <a:tint val="98000"/>
+                <a:satMod val="130000"/>
+                <a:shade val="90000"/>
+                <a:lumMod val="103000"/>
+              </a:schemeClr>
+            </a:gs>
+            <a:gs pos="100000">
+              <a:schemeClr val="phClr">
+                <a:shade val="63000"/>
+                <a:satMod val="120000"/>
+              </a:schemeClr>
+            </a:gs>
+          </a:gsLst>
+          <a:lin ang="5400000" scaled="0"/>
+        </a:gradFill>
+      </a:bgFillStyleLst>
+    </a:fmtScheme>
+  </a:themeElements>
+  <a:objectDefaults>
+    <a:lnDef>
+      <a:spPr/>
+      <a:bodyPr/>
+      <a:lstStyle/>
+      <a:style>
+        <a:lnRef idx="2">
+          <a:schemeClr val="accent1"/>
+        </a:lnRef>
+        <a:fillRef idx="0">
+          <a:schemeClr val="accent1"/>
+        </a:fillRef>
+        <a:effectRef idx="1">
+          <a:schemeClr val="accent1"/>
+        </a:effectRef>
+        <a:fontRef idx="minor">
+          <a:schemeClr val="tx1"/>
+        </a:fontRef>
+      </a:style>
+    </a:lnDef>
+  </a:objectDefaults>
+  <a:extraClrSchemeLst/>
+  <a:extLst>
+    <a:ext uri="{05A4C25C-085E-4340-85A3-A5531E510DB2}">
+      <thm15:themeFamily xmlns:thm15="http://schemas.microsoft.com/office/thememl/2012/main" name="Office Theme" id="{2E142A2C-CD16-42D6-873A-C26D2A0506FA}" vid="{1BDDFF52-6CD6-40A5-AB3C-68EB2F1E4D0A}"/>
+    </a:ext>
+  </a:extLst>
+</a:theme>
 </file>
--- a/Global Banking Fraud Detection & Risk Analysis Presentation.pptx
+++ b/Global Banking Fraud Detection & Risk Analysis Presentation.pptx
@@ -5,7 +5,7 @@
     <p:sldMasterId id="2147483691" r:id="rId1"/>
   </p:sldMasterIdLst>
   <p:notesMasterIdLst>
-    <p:notesMasterId r:id="rId12"/>
+    <p:notesMasterId r:id="rId14"/>
   </p:notesMasterIdLst>
   <p:sldIdLst>
     <p:sldId id="256" r:id="rId2"/>
@@ -18,6 +18,8 @@
     <p:sldId id="263" r:id="rId9"/>
     <p:sldId id="264" r:id="rId10"/>
     <p:sldId id="265" r:id="rId11"/>
+    <p:sldId id="266" r:id="rId12"/>
+    <p:sldId id="267" r:id="rId13"/>
   </p:sldIdLst>
   <p:sldSz cx="12192000" cy="6858000"/>
   <p:notesSz cx="6858000" cy="9144000"/>
@@ -127,7 +129,7 @@
 <file path=ppt/revisionInfo.xml><?xml version="1.0" encoding="utf-8"?>
 <p1510:revInfo xmlns:a="http://schemas.openxmlformats.org/drawingml/2006/main" xmlns:r="http://schemas.openxmlformats.org/officeDocument/2006/relationships" xmlns:p1510="http://schemas.microsoft.com/office/powerpoint/2015/10/main">
   <p1510:revLst>
-    <p1510:client id="{A7DD1D84-42FB-8245-BC58-A583FDB82811}" v="22" dt="2025-12-19T23:41:55.150"/>
+    <p1510:client id="{A7DD1D84-42FB-8245-BC58-A583FDB82811}" v="26" dt="2025-12-20T03:01:40.475"/>
   </p1510:revLst>
 </p1510:revInfo>
 </file>
@@ -137,7 +139,7 @@
   <pc:docChgLst>
     <pc:chgData name="Garv ." userId="517ebc9b-5a76-4003-9b3c-a98d08664bbd" providerId="ADAL" clId="{F659861F-A15D-5394-9866-47331A7A7B4B}"/>
     <pc:docChg chg="undo redo custSel addSld modSld">
-      <pc:chgData name="Garv ." userId="517ebc9b-5a76-4003-9b3c-a98d08664bbd" providerId="ADAL" clId="{F659861F-A15D-5394-9866-47331A7A7B4B}" dt="2025-12-19T23:44:26.774" v="4367" actId="1076"/>
+      <pc:chgData name="Garv ." userId="517ebc9b-5a76-4003-9b3c-a98d08664bbd" providerId="ADAL" clId="{F659861F-A15D-5394-9866-47331A7A7B4B}" dt="2025-12-20T03:05:10.901" v="6062" actId="20577"/>
       <pc:docMkLst>
         <pc:docMk/>
       </pc:docMkLst>
@@ -258,7 +260,7 @@
         </pc:picChg>
       </pc:sldChg>
       <pc:sldChg chg="addSp delSp modSp new mod setBg setClrOvrMap">
-        <pc:chgData name="Garv ." userId="517ebc9b-5a76-4003-9b3c-a98d08664bbd" providerId="ADAL" clId="{F659861F-A15D-5394-9866-47331A7A7B4B}" dt="2025-12-19T23:44:26.774" v="4367" actId="1076"/>
+        <pc:chgData name="Garv ." userId="517ebc9b-5a76-4003-9b3c-a98d08664bbd" providerId="ADAL" clId="{F659861F-A15D-5394-9866-47331A7A7B4B}" dt="2025-12-20T01:49:59.410" v="4443" actId="403"/>
         <pc:sldMkLst>
           <pc:docMk/>
           <pc:sldMk cId="3572818827" sldId="265"/>
@@ -272,7 +274,7 @@
           </ac:spMkLst>
         </pc:spChg>
         <pc:spChg chg="mod">
-          <ac:chgData name="Garv ." userId="517ebc9b-5a76-4003-9b3c-a98d08664bbd" providerId="ADAL" clId="{F659861F-A15D-5394-9866-47331A7A7B4B}" dt="2025-12-19T23:44:18.408" v="4366" actId="1076"/>
+          <ac:chgData name="Garv ." userId="517ebc9b-5a76-4003-9b3c-a98d08664bbd" providerId="ADAL" clId="{F659861F-A15D-5394-9866-47331A7A7B4B}" dt="2025-12-20T01:49:59.410" v="4443" actId="403"/>
           <ac:spMkLst>
             <pc:docMk/>
             <pc:sldMk cId="3572818827" sldId="265"/>
@@ -607,6 +609,252 @@
             <ac:picMk id="51" creationId="{04AF317D-BB9D-31FA-CE33-C15E49E9735A}"/>
           </ac:picMkLst>
         </pc:picChg>
+      </pc:sldChg>
+      <pc:sldChg chg="addSp delSp modSp new mod setBg">
+        <pc:chgData name="Garv ." userId="517ebc9b-5a76-4003-9b3c-a98d08664bbd" providerId="ADAL" clId="{F659861F-A15D-5394-9866-47331A7A7B4B}" dt="2025-12-20T03:04:43.672" v="6035" actId="14100"/>
+        <pc:sldMkLst>
+          <pc:docMk/>
+          <pc:sldMk cId="1255807013" sldId="266"/>
+        </pc:sldMkLst>
+        <pc:spChg chg="mod">
+          <ac:chgData name="Garv ." userId="517ebc9b-5a76-4003-9b3c-a98d08664bbd" providerId="ADAL" clId="{F659861F-A15D-5394-9866-47331A7A7B4B}" dt="2025-12-20T03:04:43.672" v="6035" actId="14100"/>
+          <ac:spMkLst>
+            <pc:docMk/>
+            <pc:sldMk cId="1255807013" sldId="266"/>
+            <ac:spMk id="2" creationId="{23CCE4F5-7635-045D-5BE7-19EF8DAFEE24}"/>
+          </ac:spMkLst>
+        </pc:spChg>
+        <pc:spChg chg="mod ord">
+          <ac:chgData name="Garv ." userId="517ebc9b-5a76-4003-9b3c-a98d08664bbd" providerId="ADAL" clId="{F659861F-A15D-5394-9866-47331A7A7B4B}" dt="2025-12-20T03:04:26.185" v="6032" actId="14100"/>
+          <ac:spMkLst>
+            <pc:docMk/>
+            <pc:sldMk cId="1255807013" sldId="266"/>
+            <ac:spMk id="3" creationId="{F426986F-ABD4-D7CE-CA6C-5762DF8F7796}"/>
+          </ac:spMkLst>
+        </pc:spChg>
+        <pc:spChg chg="add del">
+          <ac:chgData name="Garv ." userId="517ebc9b-5a76-4003-9b3c-a98d08664bbd" providerId="ADAL" clId="{F659861F-A15D-5394-9866-47331A7A7B4B}" dt="2025-12-20T03:02:41.758" v="6000" actId="26606"/>
+          <ac:spMkLst>
+            <pc:docMk/>
+            <pc:sldMk cId="1255807013" sldId="266"/>
+            <ac:spMk id="7" creationId="{7A5FC171-5EF1-470A-B19B-DB937973D2A7}"/>
+          </ac:spMkLst>
+        </pc:spChg>
+        <pc:spChg chg="add del">
+          <ac:chgData name="Garv ." userId="517ebc9b-5a76-4003-9b3c-a98d08664bbd" providerId="ADAL" clId="{F659861F-A15D-5394-9866-47331A7A7B4B}" dt="2025-12-20T03:02:05.902" v="5991" actId="26606"/>
+          <ac:spMkLst>
+            <pc:docMk/>
+            <pc:sldMk cId="1255807013" sldId="266"/>
+            <ac:spMk id="10" creationId="{584FD149-94B6-4257-AB5B-C478E6038F9E}"/>
+          </ac:spMkLst>
+        </pc:spChg>
+        <pc:spChg chg="add del">
+          <ac:chgData name="Garv ." userId="517ebc9b-5a76-4003-9b3c-a98d08664bbd" providerId="ADAL" clId="{F659861F-A15D-5394-9866-47331A7A7B4B}" dt="2025-12-20T03:02:54.883" v="6003" actId="26606"/>
+          <ac:spMkLst>
+            <pc:docMk/>
+            <pc:sldMk cId="1255807013" sldId="266"/>
+            <ac:spMk id="11" creationId="{A45303F1-AF94-4311-B5EF-A9C5F6D18D94}"/>
+          </ac:spMkLst>
+        </pc:spChg>
+        <pc:spChg chg="add del">
+          <ac:chgData name="Garv ." userId="517ebc9b-5a76-4003-9b3c-a98d08664bbd" providerId="ADAL" clId="{F659861F-A15D-5394-9866-47331A7A7B4B}" dt="2025-12-20T03:02:05.902" v="5991" actId="26606"/>
+          <ac:spMkLst>
+            <pc:docMk/>
+            <pc:sldMk cId="1255807013" sldId="266"/>
+            <ac:spMk id="12" creationId="{4743F4F4-276D-4A4D-930A-0530386F9820}"/>
+          </ac:spMkLst>
+        </pc:spChg>
+        <pc:spChg chg="add del">
+          <ac:chgData name="Garv ." userId="517ebc9b-5a76-4003-9b3c-a98d08664bbd" providerId="ADAL" clId="{F659861F-A15D-5394-9866-47331A7A7B4B}" dt="2025-12-20T03:02:05.902" v="5991" actId="26606"/>
+          <ac:spMkLst>
+            <pc:docMk/>
+            <pc:sldMk cId="1255807013" sldId="266"/>
+            <ac:spMk id="14" creationId="{AA1386B8-14BD-4682-B537-BC9027D6EDCB}"/>
+          </ac:spMkLst>
+        </pc:spChg>
+        <pc:spChg chg="add del">
+          <ac:chgData name="Garv ." userId="517ebc9b-5a76-4003-9b3c-a98d08664bbd" providerId="ADAL" clId="{F659861F-A15D-5394-9866-47331A7A7B4B}" dt="2025-12-20T03:02:54.883" v="6003" actId="26606"/>
+          <ac:spMkLst>
+            <pc:docMk/>
+            <pc:sldMk cId="1255807013" sldId="266"/>
+            <ac:spMk id="25" creationId="{11310D98-E16D-4AA1-8834-28F2202C0CC3}"/>
+          </ac:spMkLst>
+        </pc:spChg>
+        <pc:spChg chg="add del">
+          <ac:chgData name="Garv ." userId="517ebc9b-5a76-4003-9b3c-a98d08664bbd" providerId="ADAL" clId="{F659861F-A15D-5394-9866-47331A7A7B4B}" dt="2025-12-20T03:02:54.883" v="6003" actId="26606"/>
+          <ac:spMkLst>
+            <pc:docMk/>
+            <pc:sldMk cId="1255807013" sldId="266"/>
+            <ac:spMk id="39" creationId="{5B65E675-687B-4B31-9CB4-880C4620538F}"/>
+          </ac:spMkLst>
+        </pc:spChg>
+        <pc:spChg chg="add del">
+          <ac:chgData name="Garv ." userId="517ebc9b-5a76-4003-9b3c-a98d08664bbd" providerId="ADAL" clId="{F659861F-A15D-5394-9866-47331A7A7B4B}" dt="2025-12-20T03:02:41.758" v="6000" actId="26606"/>
+          <ac:spMkLst>
+            <pc:docMk/>
+            <pc:sldMk cId="1255807013" sldId="266"/>
+            <ac:spMk id="40" creationId="{685D77DF-610F-4D0F-A3D2-4FBBC96640E4}"/>
+          </ac:spMkLst>
+        </pc:spChg>
+        <pc:spChg chg="add del">
+          <ac:chgData name="Garv ." userId="517ebc9b-5a76-4003-9b3c-a98d08664bbd" providerId="ADAL" clId="{F659861F-A15D-5394-9866-47331A7A7B4B}" dt="2025-12-20T03:03:12.875" v="6006" actId="26606"/>
+          <ac:spMkLst>
+            <pc:docMk/>
+            <pc:sldMk cId="1255807013" sldId="266"/>
+            <ac:spMk id="41" creationId="{584FD149-94B6-4257-AB5B-C478E6038F9E}"/>
+          </ac:spMkLst>
+        </pc:spChg>
+        <pc:spChg chg="add del">
+          <ac:chgData name="Garv ." userId="517ebc9b-5a76-4003-9b3c-a98d08664bbd" providerId="ADAL" clId="{F659861F-A15D-5394-9866-47331A7A7B4B}" dt="2025-12-20T03:02:41.758" v="6000" actId="26606"/>
+          <ac:spMkLst>
+            <pc:docMk/>
+            <pc:sldMk cId="1255807013" sldId="266"/>
+            <ac:spMk id="42" creationId="{2513384B-399F-47B1-9ABD-172607AA4E6E}"/>
+          </ac:spMkLst>
+        </pc:spChg>
+        <pc:spChg chg="add del">
+          <ac:chgData name="Garv ." userId="517ebc9b-5a76-4003-9b3c-a98d08664bbd" providerId="ADAL" clId="{F659861F-A15D-5394-9866-47331A7A7B4B}" dt="2025-12-20T03:03:12.875" v="6006" actId="26606"/>
+          <ac:spMkLst>
+            <pc:docMk/>
+            <pc:sldMk cId="1255807013" sldId="266"/>
+            <ac:spMk id="43" creationId="{4743F4F4-276D-4A4D-930A-0530386F9820}"/>
+          </ac:spMkLst>
+        </pc:spChg>
+        <pc:spChg chg="add del">
+          <ac:chgData name="Garv ." userId="517ebc9b-5a76-4003-9b3c-a98d08664bbd" providerId="ADAL" clId="{F659861F-A15D-5394-9866-47331A7A7B4B}" dt="2025-12-20T03:03:12.875" v="6006" actId="26606"/>
+          <ac:spMkLst>
+            <pc:docMk/>
+            <pc:sldMk cId="1255807013" sldId="266"/>
+            <ac:spMk id="44" creationId="{AA1386B8-14BD-4682-B537-BC9027D6EDCB}"/>
+          </ac:spMkLst>
+        </pc:spChg>
+        <pc:spChg chg="add del">
+          <ac:chgData name="Garv ." userId="517ebc9b-5a76-4003-9b3c-a98d08664bbd" providerId="ADAL" clId="{F659861F-A15D-5394-9866-47331A7A7B4B}" dt="2025-12-20T03:03:16.468" v="6009" actId="26606"/>
+          <ac:spMkLst>
+            <pc:docMk/>
+            <pc:sldMk cId="1255807013" sldId="266"/>
+            <ac:spMk id="46" creationId="{5F305C72-8769-4E0F-B31D-F4B1C9DC933F}"/>
+          </ac:spMkLst>
+        </pc:spChg>
+        <pc:spChg chg="add del">
+          <ac:chgData name="Garv ." userId="517ebc9b-5a76-4003-9b3c-a98d08664bbd" providerId="ADAL" clId="{F659861F-A15D-5394-9866-47331A7A7B4B}" dt="2025-12-20T03:03:16.468" v="6009" actId="26606"/>
+          <ac:spMkLst>
+            <pc:docMk/>
+            <pc:sldMk cId="1255807013" sldId="266"/>
+            <ac:spMk id="50" creationId="{C5E0C91A-3F1D-43D7-9AB4-5D0A17D5C46F}"/>
+          </ac:spMkLst>
+        </pc:spChg>
+        <pc:spChg chg="add del">
+          <ac:chgData name="Garv ." userId="517ebc9b-5a76-4003-9b3c-a98d08664bbd" providerId="ADAL" clId="{F659861F-A15D-5394-9866-47331A7A7B4B}" dt="2025-12-20T03:03:16.468" v="6009" actId="26606"/>
+          <ac:spMkLst>
+            <pc:docMk/>
+            <pc:sldMk cId="1255807013" sldId="266"/>
+            <ac:spMk id="51" creationId="{3A6C27A1-A438-4EC6-93BF-EC26F29BBF0E}"/>
+          </ac:spMkLst>
+        </pc:spChg>
+        <pc:spChg chg="add del">
+          <ac:chgData name="Garv ." userId="517ebc9b-5a76-4003-9b3c-a98d08664bbd" providerId="ADAL" clId="{F659861F-A15D-5394-9866-47331A7A7B4B}" dt="2025-12-20T03:03:21.887" v="6011" actId="26606"/>
+          <ac:spMkLst>
+            <pc:docMk/>
+            <pc:sldMk cId="1255807013" sldId="266"/>
+            <ac:spMk id="53" creationId="{82FDEACC-D224-4F5B-A0BE-6581493C366D}"/>
+          </ac:spMkLst>
+        </pc:spChg>
+        <pc:spChg chg="add del">
+          <ac:chgData name="Garv ." userId="517ebc9b-5a76-4003-9b3c-a98d08664bbd" providerId="ADAL" clId="{F659861F-A15D-5394-9866-47331A7A7B4B}" dt="2025-12-20T03:03:21.887" v="6011" actId="26606"/>
+          <ac:spMkLst>
+            <pc:docMk/>
+            <pc:sldMk cId="1255807013" sldId="266"/>
+            <ac:spMk id="54" creationId="{567B8489-9450-4A50-94AF-90283270FF40}"/>
+          </ac:spMkLst>
+        </pc:spChg>
+        <pc:spChg chg="add del">
+          <ac:chgData name="Garv ." userId="517ebc9b-5a76-4003-9b3c-a98d08664bbd" providerId="ADAL" clId="{F659861F-A15D-5394-9866-47331A7A7B4B}" dt="2025-12-20T03:03:21.887" v="6011" actId="26606"/>
+          <ac:spMkLst>
+            <pc:docMk/>
+            <pc:sldMk cId="1255807013" sldId="266"/>
+            <ac:spMk id="55" creationId="{9D81556A-CBCA-4ADE-9ACA-F18F2F5E3126}"/>
+          </ac:spMkLst>
+        </pc:spChg>
+        <pc:spChg chg="add del">
+          <ac:chgData name="Garv ." userId="517ebc9b-5a76-4003-9b3c-a98d08664bbd" providerId="ADAL" clId="{F659861F-A15D-5394-9866-47331A7A7B4B}" dt="2025-12-20T03:03:24.302" v="6013" actId="26606"/>
+          <ac:spMkLst>
+            <pc:docMk/>
+            <pc:sldMk cId="1255807013" sldId="266"/>
+            <ac:spMk id="57" creationId="{E9D11FD5-487C-4A6B-836F-3831DC830FB7}"/>
+          </ac:spMkLst>
+        </pc:spChg>
+        <pc:spChg chg="add del">
+          <ac:chgData name="Garv ." userId="517ebc9b-5a76-4003-9b3c-a98d08664bbd" providerId="ADAL" clId="{F659861F-A15D-5394-9866-47331A7A7B4B}" dt="2025-12-20T03:03:24.302" v="6013" actId="26606"/>
+          <ac:spMkLst>
+            <pc:docMk/>
+            <pc:sldMk cId="1255807013" sldId="266"/>
+            <ac:spMk id="58" creationId="{99765169-F70D-4841-BE65-62E10CBED84D}"/>
+          </ac:spMkLst>
+        </pc:spChg>
+        <pc:spChg chg="add del">
+          <ac:chgData name="Garv ." userId="517ebc9b-5a76-4003-9b3c-a98d08664bbd" providerId="ADAL" clId="{F659861F-A15D-5394-9866-47331A7A7B4B}" dt="2025-12-20T03:03:24.302" v="6013" actId="26606"/>
+          <ac:spMkLst>
+            <pc:docMk/>
+            <pc:sldMk cId="1255807013" sldId="266"/>
+            <ac:spMk id="59" creationId="{2A2CC818-8106-45C0-93D5-7051F99F2C81}"/>
+          </ac:spMkLst>
+        </pc:spChg>
+        <pc:grpChg chg="add del">
+          <ac:chgData name="Garv ." userId="517ebc9b-5a76-4003-9b3c-a98d08664bbd" providerId="ADAL" clId="{F659861F-A15D-5394-9866-47331A7A7B4B}" dt="2025-12-20T03:02:41.758" v="6000" actId="26606"/>
+          <ac:grpSpMkLst>
+            <pc:docMk/>
+            <pc:sldMk cId="1255807013" sldId="266"/>
+            <ac:grpSpMk id="8" creationId="{AAD68EE7-6E6F-4168-83FE-BCDDC20F569D}"/>
+          </ac:grpSpMkLst>
+        </pc:grpChg>
+        <pc:grpChg chg="add del">
+          <ac:chgData name="Garv ." userId="517ebc9b-5a76-4003-9b3c-a98d08664bbd" providerId="ADAL" clId="{F659861F-A15D-5394-9866-47331A7A7B4B}" dt="2025-12-20T03:02:41.758" v="6000" actId="26606"/>
+          <ac:grpSpMkLst>
+            <pc:docMk/>
+            <pc:sldMk cId="1255807013" sldId="266"/>
+            <ac:grpSpMk id="26" creationId="{4D8D5B2B-7539-4692-96C7-956FDD481D65}"/>
+          </ac:grpSpMkLst>
+        </pc:grpChg>
+        <pc:grpChg chg="add del">
+          <ac:chgData name="Garv ." userId="517ebc9b-5a76-4003-9b3c-a98d08664bbd" providerId="ADAL" clId="{F659861F-A15D-5394-9866-47331A7A7B4B}" dt="2025-12-20T03:03:16.468" v="6009" actId="26606"/>
+          <ac:grpSpMkLst>
+            <pc:docMk/>
+            <pc:sldMk cId="1255807013" sldId="266"/>
+            <ac:grpSpMk id="47" creationId="{72583CFC-05A3-4743-9A2E-7C2095B8D4CD}"/>
+          </ac:grpSpMkLst>
+        </pc:grpChg>
+        <pc:grpChg chg="add del">
+          <ac:chgData name="Garv ." userId="517ebc9b-5a76-4003-9b3c-a98d08664bbd" providerId="ADAL" clId="{F659861F-A15D-5394-9866-47331A7A7B4B}" dt="2025-12-20T03:03:16.468" v="6009" actId="26606"/>
+          <ac:grpSpMkLst>
+            <pc:docMk/>
+            <pc:sldMk cId="1255807013" sldId="266"/>
+            <ac:grpSpMk id="49" creationId="{506F0A57-55BB-457C-9C8C-3DEE71009ADC}"/>
+          </ac:grpSpMkLst>
+        </pc:grpChg>
+        <pc:picChg chg="add mod ord">
+          <ac:chgData name="Garv ." userId="517ebc9b-5a76-4003-9b3c-a98d08664bbd" providerId="ADAL" clId="{F659861F-A15D-5394-9866-47331A7A7B4B}" dt="2025-12-20T03:04:33.351" v="6033" actId="1076"/>
+          <ac:picMkLst>
+            <pc:docMk/>
+            <pc:sldMk cId="1255807013" sldId="266"/>
+            <ac:picMk id="5" creationId="{DA160B84-6863-97CA-B83A-4FF509D5F6E9}"/>
+          </ac:picMkLst>
+        </pc:picChg>
+      </pc:sldChg>
+      <pc:sldChg chg="modSp new mod">
+        <pc:chgData name="Garv ." userId="517ebc9b-5a76-4003-9b3c-a98d08664bbd" providerId="ADAL" clId="{F659861F-A15D-5394-9866-47331A7A7B4B}" dt="2025-12-20T03:05:10.901" v="6062" actId="20577"/>
+        <pc:sldMkLst>
+          <pc:docMk/>
+          <pc:sldMk cId="3407588130" sldId="267"/>
+        </pc:sldMkLst>
+        <pc:spChg chg="mod">
+          <ac:chgData name="Garv ." userId="517ebc9b-5a76-4003-9b3c-a98d08664bbd" providerId="ADAL" clId="{F659861F-A15D-5394-9866-47331A7A7B4B}" dt="2025-12-20T03:05:10.901" v="6062" actId="20577"/>
+          <ac:spMkLst>
+            <pc:docMk/>
+            <pc:sldMk cId="3407588130" sldId="267"/>
+            <ac:spMk id="2" creationId="{A50738F7-9429-FF28-9009-87745E56C592}"/>
+          </ac:spMkLst>
+        </pc:spChg>
       </pc:sldChg>
     </pc:docChg>
   </pc:docChgLst>
@@ -9087,23 +9335,7 @@
               <a:buNone/>
             </a:pPr>
             <a:r>
-              <a:rPr lang="en-US" sz="1000" dirty="0">
-                <a:solidFill>
-                  <a:srgbClr val="000000"/>
-                </a:solidFill>
-              </a:rPr>
-              <a:t>This dashboard consolidates volume, value, geography, channel usage, and fraud metrics into single narrative view.</a:t>
-            </a:r>
-          </a:p>
-          <a:p>
-            <a:pPr marL="0" indent="0">
-              <a:lnSpc>
-                <a:spcPct val="90000"/>
-              </a:lnSpc>
-              <a:buNone/>
-            </a:pPr>
-            <a:r>
-              <a:rPr lang="en-US" sz="1000" b="1" dirty="0">
+              <a:rPr lang="en-US" sz="1050" b="1" dirty="0">
                 <a:solidFill>
                   <a:srgbClr val="000000"/>
                 </a:solidFill>
@@ -9118,7 +9350,7 @@
               </a:lnSpc>
             </a:pPr>
             <a:r>
-              <a:rPr lang="en-US" sz="1000" dirty="0">
+              <a:rPr lang="en-US" sz="1050" dirty="0">
                 <a:solidFill>
                   <a:srgbClr val="000000"/>
                 </a:solidFill>
@@ -9135,7 +9367,7 @@
               <a:buChar char="q"/>
             </a:pPr>
             <a:r>
-              <a:rPr lang="en-US" sz="1000" dirty="0">
+              <a:rPr lang="en-US" sz="1050" dirty="0">
                 <a:solidFill>
                   <a:srgbClr val="000000"/>
                 </a:solidFill>
@@ -9150,7 +9382,7 @@
               </a:lnSpc>
             </a:pPr>
             <a:r>
-              <a:rPr lang="en-US" sz="1000" dirty="0">
+              <a:rPr lang="en-US" sz="1050" dirty="0">
                 <a:solidFill>
                   <a:srgbClr val="000000"/>
                 </a:solidFill>
@@ -9167,7 +9399,7 @@
               <a:buChar char="q"/>
             </a:pPr>
             <a:r>
-              <a:rPr lang="en-US" sz="1000" dirty="0">
+              <a:rPr lang="en-US" sz="1050" dirty="0">
                 <a:solidFill>
                   <a:srgbClr val="000000"/>
                 </a:solidFill>
@@ -9175,7 +9407,7 @@
               <a:t>Most amount is transferred from unknow country with 14M+ and France holding 2</a:t>
             </a:r>
             <a:r>
-              <a:rPr lang="en-US" sz="1000" baseline="30000" dirty="0">
+              <a:rPr lang="en-US" sz="1050" baseline="30000" dirty="0">
                 <a:solidFill>
                   <a:srgbClr val="000000"/>
                 </a:solidFill>
@@ -9183,7 +9415,7 @@
               <a:t>nd</a:t>
             </a:r>
             <a:r>
-              <a:rPr lang="en-US" sz="1000" dirty="0">
+              <a:rPr lang="en-US" sz="1050" dirty="0">
                 <a:solidFill>
                   <a:srgbClr val="000000"/>
                 </a:solidFill>
@@ -9198,7 +9430,7 @@
               </a:lnSpc>
             </a:pPr>
             <a:r>
-              <a:rPr lang="en-US" sz="1000" dirty="0">
+              <a:rPr lang="en-US" sz="1050" dirty="0">
                 <a:solidFill>
                   <a:srgbClr val="000000"/>
                 </a:solidFill>
@@ -9215,7 +9447,7 @@
               <a:buChar char="q"/>
             </a:pPr>
             <a:r>
-              <a:rPr lang="en-US" sz="1000" dirty="0">
+              <a:rPr lang="en-US" sz="1050" dirty="0">
                 <a:solidFill>
                   <a:srgbClr val="000000"/>
                 </a:solidFill>
@@ -9230,7 +9462,7 @@
               </a:lnSpc>
             </a:pPr>
             <a:r>
-              <a:rPr lang="en-US" sz="1000" dirty="0">
+              <a:rPr lang="en-US" sz="1050" dirty="0">
                 <a:solidFill>
                   <a:srgbClr val="000000"/>
                 </a:solidFill>
@@ -9247,7 +9479,7 @@
               <a:buChar char="q"/>
             </a:pPr>
             <a:r>
-              <a:rPr lang="en-US" sz="1000" dirty="0">
+              <a:rPr lang="en-US" sz="1050" dirty="0">
                 <a:solidFill>
                   <a:srgbClr val="000000"/>
                 </a:solidFill>
@@ -9264,7 +9496,7 @@
               <a:buChar char="q"/>
             </a:pPr>
             <a:r>
-              <a:rPr lang="en-US" sz="1000" dirty="0">
+              <a:rPr lang="en-US" sz="1050" dirty="0">
                 <a:solidFill>
                   <a:srgbClr val="000000"/>
                 </a:solidFill>
@@ -9272,7 +9504,7 @@
               <a:t>Canada is the 2</a:t>
             </a:r>
             <a:r>
-              <a:rPr lang="en-US" sz="1000" baseline="30000" dirty="0">
+              <a:rPr lang="en-US" sz="1050" baseline="30000" dirty="0">
                 <a:solidFill>
                   <a:srgbClr val="000000"/>
                 </a:solidFill>
@@ -9280,7 +9512,7 @@
               <a:t>nd</a:t>
             </a:r>
             <a:r>
-              <a:rPr lang="en-US" sz="1000" dirty="0">
+              <a:rPr lang="en-US" sz="1050" dirty="0">
                 <a:solidFill>
                   <a:srgbClr val="000000"/>
                 </a:solidFill>
@@ -9294,7 +9526,7 @@
                 <a:spcPct val="90000"/>
               </a:lnSpc>
             </a:pPr>
-            <a:endParaRPr lang="en-US" sz="1000" dirty="0">
+            <a:endParaRPr lang="en-US" sz="1050" dirty="0">
               <a:solidFill>
                 <a:srgbClr val="000000"/>
               </a:solidFill>
@@ -9336,6 +9568,443 @@
     <p:extLst>
       <p:ext uri="{BB962C8B-B14F-4D97-AF65-F5344CB8AC3E}">
         <p14:creationId xmlns:p14="http://schemas.microsoft.com/office/powerpoint/2010/main" val="3572818827"/>
+      </p:ext>
+    </p:extLst>
+  </p:cSld>
+  <p:clrMapOvr>
+    <a:masterClrMapping/>
+  </p:clrMapOvr>
+</p:sld>
+</file>
+
+<file path=ppt/slides/slide11.xml><?xml version="1.0" encoding="utf-8"?>
+<p:sld xmlns:a="http://schemas.openxmlformats.org/drawingml/2006/main" xmlns:r="http://schemas.openxmlformats.org/officeDocument/2006/relationships" xmlns:p="http://schemas.openxmlformats.org/presentationml/2006/main">
+  <p:cSld>
+    <p:bg>
+      <p:bgPr>
+        <a:gradFill rotWithShape="1">
+          <a:gsLst>
+            <a:gs pos="0">
+              <a:schemeClr val="bg2">
+                <a:tint val="90000"/>
+                <a:lumMod val="120000"/>
+              </a:schemeClr>
+            </a:gs>
+            <a:gs pos="100000">
+              <a:schemeClr val="bg2">
+                <a:shade val="98000"/>
+                <a:satMod val="120000"/>
+                <a:lumMod val="98000"/>
+              </a:schemeClr>
+            </a:gs>
+          </a:gsLst>
+          <a:lin ang="5400000" scaled="0"/>
+        </a:gradFill>
+        <a:effectLst/>
+      </p:bgPr>
+    </p:bg>
+    <p:spTree>
+      <p:nvGrpSpPr>
+        <p:cNvPr id="1" name=""/>
+        <p:cNvGrpSpPr/>
+        <p:nvPr/>
+      </p:nvGrpSpPr>
+      <p:grpSpPr>
+        <a:xfrm>
+          <a:off x="0" y="0"/>
+          <a:ext cx="0" cy="0"/>
+          <a:chOff x="0" y="0"/>
+          <a:chExt cx="0" cy="0"/>
+        </a:xfrm>
+      </p:grpSpPr>
+      <p:sp>
+        <p:nvSpPr>
+          <p:cNvPr id="2" name="Title 1">
+            <a:extLst>
+              <a:ext uri="{FF2B5EF4-FFF2-40B4-BE49-F238E27FC236}">
+                <a16:creationId xmlns:a16="http://schemas.microsoft.com/office/drawing/2014/main" id="{23CCE4F5-7635-045D-5BE7-19EF8DAFEE24}"/>
+              </a:ext>
+            </a:extLst>
+          </p:cNvPr>
+          <p:cNvSpPr>
+            <a:spLocks noGrp="1"/>
+          </p:cNvSpPr>
+          <p:nvPr>
+            <p:ph type="title"/>
+          </p:nvPr>
+        </p:nvSpPr>
+        <p:spPr>
+          <a:xfrm>
+            <a:off x="1683956" y="677273"/>
+            <a:ext cx="8487689" cy="962743"/>
+          </a:xfrm>
+        </p:spPr>
+        <p:txBody>
+          <a:bodyPr>
+            <a:normAutofit/>
+          </a:bodyPr>
+          <a:lstStyle/>
+          <a:p>
+            <a:pPr>
+              <a:lnSpc>
+                <a:spcPct val="90000"/>
+              </a:lnSpc>
+            </a:pPr>
+            <a:r>
+              <a:rPr lang="en-US" sz="2700" dirty="0"/>
+              <a:t>Transaction Behavior, Merchant Exposure &amp; Fraud Risk Signals</a:t>
+            </a:r>
+          </a:p>
+        </p:txBody>
+      </p:sp>
+      <p:sp>
+        <p:nvSpPr>
+          <p:cNvPr id="3" name="Content Placeholder 2">
+            <a:extLst>
+              <a:ext uri="{FF2B5EF4-FFF2-40B4-BE49-F238E27FC236}">
+                <a16:creationId xmlns:a16="http://schemas.microsoft.com/office/drawing/2014/main" id="{F426986F-ABD4-D7CE-CA6C-5762DF8F7796}"/>
+              </a:ext>
+            </a:extLst>
+          </p:cNvPr>
+          <p:cNvSpPr>
+            <a:spLocks noGrp="1"/>
+          </p:cNvSpPr>
+          <p:nvPr>
+            <p:ph idx="1"/>
+          </p:nvPr>
+        </p:nvSpPr>
+        <p:spPr>
+          <a:xfrm>
+            <a:off x="1683956" y="1640016"/>
+            <a:ext cx="4140772" cy="4888375"/>
+          </a:xfrm>
+        </p:spPr>
+        <p:txBody>
+          <a:bodyPr>
+            <a:normAutofit/>
+          </a:bodyPr>
+          <a:lstStyle/>
+          <a:p>
+            <a:pPr marL="0" indent="0">
+              <a:lnSpc>
+                <a:spcPct val="90000"/>
+              </a:lnSpc>
+              <a:buNone/>
+            </a:pPr>
+            <a:r>
+              <a:rPr lang="en-US" sz="1000" b="1" dirty="0">
+                <a:solidFill>
+                  <a:srgbClr val="000000"/>
+                </a:solidFill>
+              </a:rPr>
+              <a:t>What this dashboard reveals:</a:t>
+            </a:r>
+          </a:p>
+          <a:p>
+            <a:pPr>
+              <a:lnSpc>
+                <a:spcPct val="90000"/>
+              </a:lnSpc>
+            </a:pPr>
+            <a:r>
+              <a:rPr lang="en-US" sz="1000" dirty="0">
+                <a:solidFill>
+                  <a:srgbClr val="000000"/>
+                </a:solidFill>
+              </a:rPr>
+              <a:t>While merchant categories dominate spending</a:t>
+            </a:r>
+          </a:p>
+          <a:p>
+            <a:pPr lvl="1">
+              <a:lnSpc>
+                <a:spcPct val="90000"/>
+              </a:lnSpc>
+              <a:buFont typeface="Wingdings" pitchFamily="2" charset="2"/>
+              <a:buChar char="q"/>
+            </a:pPr>
+            <a:r>
+              <a:rPr lang="en-US" sz="1000" dirty="0">
+                <a:solidFill>
+                  <a:srgbClr val="000000"/>
+                </a:solidFill>
+              </a:rPr>
+              <a:t>Money spent on electronics is the highest among all with 9.1M+, Healthcare has a total of 9.0M+ spend. One major think to notice is they all have similar spending amount.</a:t>
+            </a:r>
+          </a:p>
+          <a:p>
+            <a:pPr>
+              <a:lnSpc>
+                <a:spcPct val="90000"/>
+              </a:lnSpc>
+            </a:pPr>
+            <a:r>
+              <a:rPr lang="en-US" sz="1000" dirty="0">
+                <a:solidFill>
+                  <a:srgbClr val="000000"/>
+                </a:solidFill>
+              </a:rPr>
+              <a:t>Where fraud rates vary significantly by category</a:t>
+            </a:r>
+          </a:p>
+          <a:p>
+            <a:pPr lvl="1">
+              <a:lnSpc>
+                <a:spcPct val="90000"/>
+              </a:lnSpc>
+              <a:buFont typeface="Wingdings" pitchFamily="2" charset="2"/>
+              <a:buChar char="q"/>
+            </a:pPr>
+            <a:r>
+              <a:rPr lang="en-US" sz="1000" dirty="0">
+                <a:solidFill>
+                  <a:srgbClr val="000000"/>
+                </a:solidFill>
+              </a:rPr>
+              <a:t>Approx 1.65M+ was detected as fraud in restaurants, Education holds a total of 1.55M+ in fraud whereas Online Retail is the lest spent in fraud.</a:t>
+            </a:r>
+          </a:p>
+          <a:p>
+            <a:pPr lvl="1">
+              <a:lnSpc>
+                <a:spcPct val="90000"/>
+              </a:lnSpc>
+              <a:buFont typeface="Wingdings" pitchFamily="2" charset="2"/>
+              <a:buChar char="q"/>
+            </a:pPr>
+            <a:r>
+              <a:rPr lang="en-US" sz="1000" dirty="0">
+                <a:solidFill>
+                  <a:srgbClr val="000000"/>
+                </a:solidFill>
+              </a:rPr>
+              <a:t>Transaction detected as fraud in Entertainment, Healthcare and ATM withdrawal are nearly equivalent to each other.</a:t>
+            </a:r>
+          </a:p>
+          <a:p>
+            <a:pPr>
+              <a:lnSpc>
+                <a:spcPct val="90000"/>
+              </a:lnSpc>
+            </a:pPr>
+            <a:r>
+              <a:rPr lang="en-US" sz="1000" dirty="0">
+                <a:solidFill>
+                  <a:srgbClr val="000000"/>
+                </a:solidFill>
+              </a:rPr>
+              <a:t>How refunds and reversals differ in risk behavior</a:t>
+            </a:r>
+          </a:p>
+          <a:p>
+            <a:pPr lvl="1">
+              <a:lnSpc>
+                <a:spcPct val="90000"/>
+              </a:lnSpc>
+              <a:buFont typeface="Wingdings" pitchFamily="2" charset="2"/>
+              <a:buChar char="q"/>
+            </a:pPr>
+            <a:r>
+              <a:rPr lang="en-US" sz="1000" dirty="0">
+                <a:solidFill>
+                  <a:srgbClr val="000000"/>
+                </a:solidFill>
+              </a:rPr>
+              <a:t>In total There was 2% of Refund/Reversal which makes 3.07K in numbers. Whereas confirmed purchase was 150.41K in total.</a:t>
+            </a:r>
+          </a:p>
+          <a:p>
+            <a:pPr lvl="1">
+              <a:lnSpc>
+                <a:spcPct val="90000"/>
+              </a:lnSpc>
+              <a:buFont typeface="Wingdings" pitchFamily="2" charset="2"/>
+              <a:buChar char="q"/>
+            </a:pPr>
+            <a:r>
+              <a:rPr lang="en-US" sz="1000" dirty="0">
+                <a:solidFill>
+                  <a:srgbClr val="000000"/>
+                </a:solidFill>
+              </a:rPr>
+              <a:t>For Fraud Refund there was only 0.05K whereas for Fraud purchase it’s 1.93K</a:t>
+            </a:r>
+          </a:p>
+          <a:p>
+            <a:pPr>
+              <a:lnSpc>
+                <a:spcPct val="90000"/>
+              </a:lnSpc>
+            </a:pPr>
+            <a:r>
+              <a:rPr lang="en-US" sz="1000" dirty="0">
+                <a:solidFill>
+                  <a:srgbClr val="000000"/>
+                </a:solidFill>
+              </a:rPr>
+              <a:t>Whether fraud is concentrated or distributed across transaction types</a:t>
+            </a:r>
+          </a:p>
+          <a:p>
+            <a:pPr lvl="1">
+              <a:lnSpc>
+                <a:spcPct val="90000"/>
+              </a:lnSpc>
+              <a:buFont typeface="Wingdings" pitchFamily="2" charset="2"/>
+              <a:buChar char="q"/>
+            </a:pPr>
+            <a:r>
+              <a:rPr lang="en-US" sz="1000" dirty="0">
+                <a:solidFill>
+                  <a:srgbClr val="000000"/>
+                </a:solidFill>
+              </a:rPr>
+              <a:t>In shot all Transaction Type Faced fraud equally, but zooming in gives us that credit was used slightly more with </a:t>
+            </a:r>
+            <a:r>
+              <a:rPr lang="en-US" sz="1000" dirty="0" err="1">
+                <a:solidFill>
+                  <a:srgbClr val="000000"/>
+                </a:solidFill>
+              </a:rPr>
+              <a:t>approx</a:t>
+            </a:r>
+            <a:r>
+              <a:rPr lang="en-US" sz="1000" dirty="0">
+                <a:solidFill>
+                  <a:srgbClr val="000000"/>
+                </a:solidFill>
+              </a:rPr>
+              <a:t> 0.11% in frauds then any other means.</a:t>
+            </a:r>
+          </a:p>
+        </p:txBody>
+      </p:sp>
+      <p:pic>
+        <p:nvPicPr>
+          <p:cNvPr id="5" name="Picture 4" descr="A screenshot of a graph&#10;&#10;AI-generated content may be incorrect.">
+            <a:extLst>
+              <a:ext uri="{FF2B5EF4-FFF2-40B4-BE49-F238E27FC236}">
+                <a16:creationId xmlns:a16="http://schemas.microsoft.com/office/drawing/2014/main" id="{DA160B84-6863-97CA-B83A-4FF509D5F6E9}"/>
+              </a:ext>
+            </a:extLst>
+          </p:cNvPr>
+          <p:cNvPicPr>
+            <a:picLocks noChangeAspect="1"/>
+          </p:cNvPicPr>
+          <p:nvPr/>
+        </p:nvPicPr>
+        <p:blipFill>
+          <a:blip r:embed="rId2"/>
+          <a:stretch>
+            <a:fillRect/>
+          </a:stretch>
+        </p:blipFill>
+        <p:spPr>
+          <a:xfrm>
+            <a:off x="5927800" y="2352397"/>
+            <a:ext cx="6157533" cy="3463612"/>
+          </a:xfrm>
+          <a:prstGeom prst="rect">
+            <a:avLst/>
+          </a:prstGeom>
+        </p:spPr>
+      </p:pic>
+    </p:spTree>
+    <p:extLst>
+      <p:ext uri="{BB962C8B-B14F-4D97-AF65-F5344CB8AC3E}">
+        <p14:creationId xmlns:p14="http://schemas.microsoft.com/office/powerpoint/2010/main" val="1255807013"/>
+      </p:ext>
+    </p:extLst>
+  </p:cSld>
+  <p:clrMapOvr>
+    <a:masterClrMapping/>
+  </p:clrMapOvr>
+</p:sld>
+</file>
+
+<file path=ppt/slides/slide12.xml><?xml version="1.0" encoding="utf-8"?>
+<p:sld xmlns:a="http://schemas.openxmlformats.org/drawingml/2006/main" xmlns:r="http://schemas.openxmlformats.org/officeDocument/2006/relationships" xmlns:p="http://schemas.openxmlformats.org/presentationml/2006/main">
+  <p:cSld>
+    <p:spTree>
+      <p:nvGrpSpPr>
+        <p:cNvPr id="1" name=""/>
+        <p:cNvGrpSpPr/>
+        <p:nvPr/>
+      </p:nvGrpSpPr>
+      <p:grpSpPr>
+        <a:xfrm>
+          <a:off x="0" y="0"/>
+          <a:ext cx="0" cy="0"/>
+          <a:chOff x="0" y="0"/>
+          <a:chExt cx="0" cy="0"/>
+        </a:xfrm>
+      </p:grpSpPr>
+      <p:sp>
+        <p:nvSpPr>
+          <p:cNvPr id="2" name="Title 1">
+            <a:extLst>
+              <a:ext uri="{FF2B5EF4-FFF2-40B4-BE49-F238E27FC236}">
+                <a16:creationId xmlns:a16="http://schemas.microsoft.com/office/drawing/2014/main" id="{A50738F7-9429-FF28-9009-87745E56C592}"/>
+              </a:ext>
+            </a:extLst>
+          </p:cNvPr>
+          <p:cNvSpPr>
+            <a:spLocks noGrp="1"/>
+          </p:cNvSpPr>
+          <p:nvPr>
+            <p:ph type="title"/>
+          </p:nvPr>
+        </p:nvSpPr>
+        <p:spPr/>
+        <p:txBody>
+          <a:bodyPr/>
+          <a:lstStyle/>
+          <a:p>
+            <a:r>
+              <a:rPr lang="en-US" dirty="0"/>
+              <a:t>Key Findings and </a:t>
+            </a:r>
+            <a:r>
+              <a:rPr lang="en-US" dirty="0" err="1"/>
+              <a:t>Statigic</a:t>
+            </a:r>
+            <a:r>
+              <a:rPr lang="en-US"/>
+              <a:t> </a:t>
+            </a:r>
+          </a:p>
+        </p:txBody>
+      </p:sp>
+      <p:sp>
+        <p:nvSpPr>
+          <p:cNvPr id="3" name="Content Placeholder 2">
+            <a:extLst>
+              <a:ext uri="{FF2B5EF4-FFF2-40B4-BE49-F238E27FC236}">
+                <a16:creationId xmlns:a16="http://schemas.microsoft.com/office/drawing/2014/main" id="{7E146425-51D5-0666-DD50-8AB3969C1D64}"/>
+              </a:ext>
+            </a:extLst>
+          </p:cNvPr>
+          <p:cNvSpPr>
+            <a:spLocks noGrp="1"/>
+          </p:cNvSpPr>
+          <p:nvPr>
+            <p:ph idx="1"/>
+          </p:nvPr>
+        </p:nvSpPr>
+        <p:spPr/>
+        <p:txBody>
+          <a:bodyPr/>
+          <a:lstStyle/>
+          <a:p>
+            <a:endParaRPr lang="en-US"/>
+          </a:p>
+        </p:txBody>
+      </p:sp>
+    </p:spTree>
+    <p:extLst>
+      <p:ext uri="{BB962C8B-B14F-4D97-AF65-F5344CB8AC3E}">
+        <p14:creationId xmlns:p14="http://schemas.microsoft.com/office/powerpoint/2010/main" val="3407588130"/>
       </p:ext>
     </p:extLst>
   </p:cSld>

--- a/Global Banking Fraud Detection & Risk Analysis Presentation.pptx
+++ b/Global Banking Fraud Detection & Risk Analysis Presentation.pptx
@@ -5,7 +5,7 @@
     <p:sldMasterId id="2147483691" r:id="rId1"/>
   </p:sldMasterIdLst>
   <p:notesMasterIdLst>
-    <p:notesMasterId r:id="rId14"/>
+    <p:notesMasterId r:id="rId15"/>
   </p:notesMasterIdLst>
   <p:sldIdLst>
     <p:sldId id="256" r:id="rId2"/>
@@ -20,6 +20,7 @@
     <p:sldId id="265" r:id="rId11"/>
     <p:sldId id="266" r:id="rId12"/>
     <p:sldId id="267" r:id="rId13"/>
+    <p:sldId id="268" r:id="rId14"/>
   </p:sldIdLst>
   <p:sldSz cx="12192000" cy="6858000"/>
   <p:notesSz cx="6858000" cy="9144000"/>
@@ -129,7 +130,7 @@
 <file path=ppt/revisionInfo.xml><?xml version="1.0" encoding="utf-8"?>
 <p1510:revInfo xmlns:a="http://schemas.openxmlformats.org/drawingml/2006/main" xmlns:r="http://schemas.openxmlformats.org/officeDocument/2006/relationships" xmlns:p1510="http://schemas.microsoft.com/office/powerpoint/2015/10/main">
   <p1510:revLst>
-    <p1510:client id="{A7DD1D84-42FB-8245-BC58-A583FDB82811}" v="26" dt="2025-12-20T03:01:40.475"/>
+    <p1510:client id="{A7DD1D84-42FB-8245-BC58-A583FDB82811}" v="29" dt="2025-12-20T03:53:25.043"/>
   </p1510:revLst>
 </p1510:revInfo>
 </file>
@@ -139,12 +140,47 @@
   <pc:docChgLst>
     <pc:chgData name="Garv ." userId="517ebc9b-5a76-4003-9b3c-a98d08664bbd" providerId="ADAL" clId="{F659861F-A15D-5394-9866-47331A7A7B4B}"/>
     <pc:docChg chg="undo redo custSel addSld modSld">
-      <pc:chgData name="Garv ." userId="517ebc9b-5a76-4003-9b3c-a98d08664bbd" providerId="ADAL" clId="{F659861F-A15D-5394-9866-47331A7A7B4B}" dt="2025-12-20T03:05:10.901" v="6062" actId="20577"/>
+      <pc:chgData name="Garv ." userId="517ebc9b-5a76-4003-9b3c-a98d08664bbd" providerId="ADAL" clId="{F659861F-A15D-5394-9866-47331A7A7B4B}" dt="2025-12-20T04:15:54.332" v="9146"/>
       <pc:docMkLst>
         <pc:docMk/>
       </pc:docMkLst>
-      <pc:sldChg chg="modSp mod">
-        <pc:chgData name="Garv ." userId="517ebc9b-5a76-4003-9b3c-a98d08664bbd" providerId="ADAL" clId="{F659861F-A15D-5394-9866-47331A7A7B4B}" dt="2025-12-19T21:01:55.431" v="521" actId="20577"/>
+      <pc:sldChg chg="modTransition">
+        <pc:chgData name="Garv ." userId="517ebc9b-5a76-4003-9b3c-a98d08664bbd" providerId="ADAL" clId="{F659861F-A15D-5394-9866-47331A7A7B4B}" dt="2025-12-20T04:14:31.666" v="9123"/>
+        <pc:sldMkLst>
+          <pc:docMk/>
+          <pc:sldMk cId="294098445" sldId="256"/>
+        </pc:sldMkLst>
+      </pc:sldChg>
+      <pc:sldChg chg="modTransition">
+        <pc:chgData name="Garv ." userId="517ebc9b-5a76-4003-9b3c-a98d08664bbd" providerId="ADAL" clId="{F659861F-A15D-5394-9866-47331A7A7B4B}" dt="2025-12-20T04:14:53.432" v="9130"/>
+        <pc:sldMkLst>
+          <pc:docMk/>
+          <pc:sldMk cId="56535730" sldId="257"/>
+        </pc:sldMkLst>
+      </pc:sldChg>
+      <pc:sldChg chg="modTransition">
+        <pc:chgData name="Garv ." userId="517ebc9b-5a76-4003-9b3c-a98d08664bbd" providerId="ADAL" clId="{F659861F-A15D-5394-9866-47331A7A7B4B}" dt="2025-12-20T04:14:48.933" v="9128"/>
+        <pc:sldMkLst>
+          <pc:docMk/>
+          <pc:sldMk cId="1834511987" sldId="258"/>
+        </pc:sldMkLst>
+      </pc:sldChg>
+      <pc:sldChg chg="modTransition">
+        <pc:chgData name="Garv ." userId="517ebc9b-5a76-4003-9b3c-a98d08664bbd" providerId="ADAL" clId="{F659861F-A15D-5394-9866-47331A7A7B4B}" dt="2025-12-20T04:14:57.583" v="9131"/>
+        <pc:sldMkLst>
+          <pc:docMk/>
+          <pc:sldMk cId="410109089" sldId="259"/>
+        </pc:sldMkLst>
+      </pc:sldChg>
+      <pc:sldChg chg="modTransition">
+        <pc:chgData name="Garv ." userId="517ebc9b-5a76-4003-9b3c-a98d08664bbd" providerId="ADAL" clId="{F659861F-A15D-5394-9866-47331A7A7B4B}" dt="2025-12-20T04:15:00.284" v="9132"/>
+        <pc:sldMkLst>
+          <pc:docMk/>
+          <pc:sldMk cId="3605346014" sldId="260"/>
+        </pc:sldMkLst>
+      </pc:sldChg>
+      <pc:sldChg chg="modSp mod modTransition">
+        <pc:chgData name="Garv ." userId="517ebc9b-5a76-4003-9b3c-a98d08664bbd" providerId="ADAL" clId="{F659861F-A15D-5394-9866-47331A7A7B4B}" dt="2025-12-20T04:15:02.916" v="9133"/>
         <pc:sldMkLst>
           <pc:docMk/>
           <pc:sldMk cId="161166094" sldId="261"/>
@@ -158,8 +194,8 @@
           </ac:spMkLst>
         </pc:spChg>
       </pc:sldChg>
-      <pc:sldChg chg="modSp mod">
-        <pc:chgData name="Garv ." userId="517ebc9b-5a76-4003-9b3c-a98d08664bbd" providerId="ADAL" clId="{F659861F-A15D-5394-9866-47331A7A7B4B}" dt="2025-12-19T21:02:09.785" v="541" actId="313"/>
+      <pc:sldChg chg="modSp mod modTransition">
+        <pc:chgData name="Garv ." userId="517ebc9b-5a76-4003-9b3c-a98d08664bbd" providerId="ADAL" clId="{F659861F-A15D-5394-9866-47331A7A7B4B}" dt="2025-12-20T04:15:05.198" v="9134"/>
         <pc:sldMkLst>
           <pc:docMk/>
           <pc:sldMk cId="2362849659" sldId="262"/>
@@ -181,8 +217,8 @@
           </ac:spMkLst>
         </pc:spChg>
       </pc:sldChg>
-      <pc:sldChg chg="addSp modSp new mod">
-        <pc:chgData name="Garv ." userId="517ebc9b-5a76-4003-9b3c-a98d08664bbd" providerId="ADAL" clId="{F659861F-A15D-5394-9866-47331A7A7B4B}" dt="2025-12-19T22:29:09.368" v="1698" actId="1076"/>
+      <pc:sldChg chg="addSp modSp new mod modTransition">
+        <pc:chgData name="Garv ." userId="517ebc9b-5a76-4003-9b3c-a98d08664bbd" providerId="ADAL" clId="{F659861F-A15D-5394-9866-47331A7A7B4B}" dt="2025-12-20T04:15:07.399" v="9135"/>
         <pc:sldMkLst>
           <pc:docMk/>
           <pc:sldMk cId="1674953985" sldId="263"/>
@@ -212,8 +248,8 @@
           </ac:spMkLst>
         </pc:spChg>
       </pc:sldChg>
-      <pc:sldChg chg="addSp delSp modSp new mod setBg">
-        <pc:chgData name="Garv ." userId="517ebc9b-5a76-4003-9b3c-a98d08664bbd" providerId="ADAL" clId="{F659861F-A15D-5394-9866-47331A7A7B4B}" dt="2025-12-19T22:53:50.518" v="2274" actId="20577"/>
+      <pc:sldChg chg="addSp delSp modSp new mod modTransition setBg">
+        <pc:chgData name="Garv ." userId="517ebc9b-5a76-4003-9b3c-a98d08664bbd" providerId="ADAL" clId="{F659861F-A15D-5394-9866-47331A7A7B4B}" dt="2025-12-20T04:15:31.015" v="9140"/>
         <pc:sldMkLst>
           <pc:docMk/>
           <pc:sldMk cId="2080373582" sldId="264"/>
@@ -227,7 +263,7 @@
           </ac:spMkLst>
         </pc:spChg>
         <pc:spChg chg="add del mod">
-          <ac:chgData name="Garv ." userId="517ebc9b-5a76-4003-9b3c-a98d08664bbd" providerId="ADAL" clId="{F659861F-A15D-5394-9866-47331A7A7B4B}" dt="2025-12-19T22:53:50.518" v="2274" actId="20577"/>
+          <ac:chgData name="Garv ." userId="517ebc9b-5a76-4003-9b3c-a98d08664bbd" providerId="ADAL" clId="{F659861F-A15D-5394-9866-47331A7A7B4B}" dt="2025-12-20T03:49:25.065" v="7422" actId="14100"/>
           <ac:spMkLst>
             <pc:docMk/>
             <pc:sldMk cId="2080373582" sldId="264"/>
@@ -251,7 +287,7 @@
           </ac:picMkLst>
         </pc:picChg>
         <pc:picChg chg="add mod">
-          <ac:chgData name="Garv ." userId="517ebc9b-5a76-4003-9b3c-a98d08664bbd" providerId="ADAL" clId="{F659861F-A15D-5394-9866-47331A7A7B4B}" dt="2025-12-19T22:53:39.718" v="2270" actId="1076"/>
+          <ac:chgData name="Garv ." userId="517ebc9b-5a76-4003-9b3c-a98d08664bbd" providerId="ADAL" clId="{F659861F-A15D-5394-9866-47331A7A7B4B}" dt="2025-12-20T03:49:27.714" v="7423" actId="1076"/>
           <ac:picMkLst>
             <pc:docMk/>
             <pc:sldMk cId="2080373582" sldId="264"/>
@@ -259,8 +295,8 @@
           </ac:picMkLst>
         </pc:picChg>
       </pc:sldChg>
-      <pc:sldChg chg="addSp delSp modSp new mod setBg setClrOvrMap">
-        <pc:chgData name="Garv ." userId="517ebc9b-5a76-4003-9b3c-a98d08664bbd" providerId="ADAL" clId="{F659861F-A15D-5394-9866-47331A7A7B4B}" dt="2025-12-20T01:49:59.410" v="4443" actId="403"/>
+      <pc:sldChg chg="addSp delSp modSp new mod modTransition setBg setClrOvrMap">
+        <pc:chgData name="Garv ." userId="517ebc9b-5a76-4003-9b3c-a98d08664bbd" providerId="ADAL" clId="{F659861F-A15D-5394-9866-47331A7A7B4B}" dt="2025-12-20T04:15:36.349" v="9141"/>
         <pc:sldMkLst>
           <pc:docMk/>
           <pc:sldMk cId="3572818827" sldId="265"/>
@@ -610,8 +646,8 @@
           </ac:picMkLst>
         </pc:picChg>
       </pc:sldChg>
-      <pc:sldChg chg="addSp delSp modSp new mod setBg">
-        <pc:chgData name="Garv ." userId="517ebc9b-5a76-4003-9b3c-a98d08664bbd" providerId="ADAL" clId="{F659861F-A15D-5394-9866-47331A7A7B4B}" dt="2025-12-20T03:04:43.672" v="6035" actId="14100"/>
+      <pc:sldChg chg="addSp delSp modSp new mod modTransition setBg">
+        <pc:chgData name="Garv ." userId="517ebc9b-5a76-4003-9b3c-a98d08664bbd" providerId="ADAL" clId="{F659861F-A15D-5394-9866-47331A7A7B4B}" dt="2025-12-20T04:15:40.433" v="9142"/>
         <pc:sldMkLst>
           <pc:docMk/>
           <pc:sldMk cId="1255807013" sldId="266"/>
@@ -841,18 +877,57 @@
           </ac:picMkLst>
         </pc:picChg>
       </pc:sldChg>
-      <pc:sldChg chg="modSp new mod">
-        <pc:chgData name="Garv ." userId="517ebc9b-5a76-4003-9b3c-a98d08664bbd" providerId="ADAL" clId="{F659861F-A15D-5394-9866-47331A7A7B4B}" dt="2025-12-20T03:05:10.901" v="6062" actId="20577"/>
+      <pc:sldChg chg="addSp delSp modSp new mod modTransition">
+        <pc:chgData name="Garv ." userId="517ebc9b-5a76-4003-9b3c-a98d08664bbd" providerId="ADAL" clId="{F659861F-A15D-5394-9866-47331A7A7B4B}" dt="2025-12-20T04:15:42.549" v="9143"/>
         <pc:sldMkLst>
           <pc:docMk/>
           <pc:sldMk cId="3407588130" sldId="267"/>
         </pc:sldMkLst>
         <pc:spChg chg="mod">
-          <ac:chgData name="Garv ." userId="517ebc9b-5a76-4003-9b3c-a98d08664bbd" providerId="ADAL" clId="{F659861F-A15D-5394-9866-47331A7A7B4B}" dt="2025-12-20T03:05:10.901" v="6062" actId="20577"/>
+          <ac:chgData name="Garv ." userId="517ebc9b-5a76-4003-9b3c-a98d08664bbd" providerId="ADAL" clId="{F659861F-A15D-5394-9866-47331A7A7B4B}" dt="2025-12-20T03:54:05.928" v="7795" actId="14100"/>
           <ac:spMkLst>
             <pc:docMk/>
             <pc:sldMk cId="3407588130" sldId="267"/>
             <ac:spMk id="2" creationId="{A50738F7-9429-FF28-9009-87745E56C592}"/>
+          </ac:spMkLst>
+        </pc:spChg>
+        <pc:spChg chg="mod">
+          <ac:chgData name="Garv ." userId="517ebc9b-5a76-4003-9b3c-a98d08664bbd" providerId="ADAL" clId="{F659861F-A15D-5394-9866-47331A7A7B4B}" dt="2025-12-20T04:02:55.973" v="8185" actId="1076"/>
+          <ac:spMkLst>
+            <pc:docMk/>
+            <pc:sldMk cId="3407588130" sldId="267"/>
+            <ac:spMk id="3" creationId="{7E146425-51D5-0666-DD50-8AB3969C1D64}"/>
+          </ac:spMkLst>
+        </pc:spChg>
+        <pc:spChg chg="add del mod">
+          <ac:chgData name="Garv ." userId="517ebc9b-5a76-4003-9b3c-a98d08664bbd" providerId="ADAL" clId="{F659861F-A15D-5394-9866-47331A7A7B4B}" dt="2025-12-20T03:55:20.682" v="7800" actId="478"/>
+          <ac:spMkLst>
+            <pc:docMk/>
+            <pc:sldMk cId="3407588130" sldId="267"/>
+            <ac:spMk id="4" creationId="{FDF254D7-D630-0FC8-212B-CE6517936DCA}"/>
+          </ac:spMkLst>
+        </pc:spChg>
+      </pc:sldChg>
+      <pc:sldChg chg="modSp new mod modTransition">
+        <pc:chgData name="Garv ." userId="517ebc9b-5a76-4003-9b3c-a98d08664bbd" providerId="ADAL" clId="{F659861F-A15D-5394-9866-47331A7A7B4B}" dt="2025-12-20T04:15:54.332" v="9146"/>
+        <pc:sldMkLst>
+          <pc:docMk/>
+          <pc:sldMk cId="1416917048" sldId="268"/>
+        </pc:sldMkLst>
+        <pc:spChg chg="mod">
+          <ac:chgData name="Garv ." userId="517ebc9b-5a76-4003-9b3c-a98d08664bbd" providerId="ADAL" clId="{F659861F-A15D-5394-9866-47331A7A7B4B}" dt="2025-12-20T04:13:32.884" v="9109" actId="14100"/>
+          <ac:spMkLst>
+            <pc:docMk/>
+            <pc:sldMk cId="1416917048" sldId="268"/>
+            <ac:spMk id="2" creationId="{2AA573C9-2329-976C-01D0-C88056B2B606}"/>
+          </ac:spMkLst>
+        </pc:spChg>
+        <pc:spChg chg="mod">
+          <ac:chgData name="Garv ." userId="517ebc9b-5a76-4003-9b3c-a98d08664bbd" providerId="ADAL" clId="{F659861F-A15D-5394-9866-47331A7A7B4B}" dt="2025-12-20T04:13:38.067" v="9110" actId="1076"/>
+          <ac:spMkLst>
+            <pc:docMk/>
+            <pc:sldMk cId="1416917048" sldId="268"/>
+            <ac:spMk id="3" creationId="{075CE00E-CF69-9BB1-AE90-85385CCDC1FF}"/>
           </ac:spMkLst>
         </pc:spChg>
       </pc:sldChg>
@@ -9217,6 +9292,9 @@
   <p:clrMapOvr>
     <a:masterClrMapping/>
   </p:clrMapOvr>
+  <p:transition spd="slow">
+    <p:wipe/>
+  </p:transition>
 </p:sld>
 </file>
 
@@ -9574,6 +9652,18 @@
   <p:clrMapOvr>
     <a:masterClrMapping/>
   </p:clrMapOvr>
+  <mc:AlternateContent xmlns:mc="http://schemas.openxmlformats.org/markup-compatibility/2006">
+    <mc:Choice xmlns:p159="http://schemas.microsoft.com/office/powerpoint/2015/09/main" Requires="p159">
+      <p:transition xmlns:p14="http://schemas.microsoft.com/office/powerpoint/2010/main" spd="slow" p14:dur="2000">
+        <p159:morph option="byObject"/>
+      </p:transition>
+    </mc:Choice>
+    <mc:Fallback>
+      <p:transition spd="slow">
+        <p:fade/>
+      </p:transition>
+    </mc:Fallback>
+  </mc:AlternateContent>
 </p:sld>
 </file>
 
@@ -9920,6 +10010,18 @@
   <p:clrMapOvr>
     <a:masterClrMapping/>
   </p:clrMapOvr>
+  <mc:AlternateContent xmlns:mc="http://schemas.openxmlformats.org/markup-compatibility/2006">
+    <mc:Choice xmlns:p159="http://schemas.microsoft.com/office/powerpoint/2015/09/main" Requires="p159">
+      <p:transition xmlns:p14="http://schemas.microsoft.com/office/powerpoint/2010/main" spd="slow" p14:dur="2000">
+        <p159:morph option="byObject"/>
+      </p:transition>
+    </mc:Choice>
+    <mc:Fallback>
+      <p:transition spd="slow">
+        <p:fade/>
+      </p:transition>
+    </mc:Fallback>
+  </mc:AlternateContent>
 </p:sld>
 </file>
 
@@ -9956,22 +10058,21 @@
             <p:ph type="title"/>
           </p:nvPr>
         </p:nvSpPr>
-        <p:spPr/>
-        <p:txBody>
-          <a:bodyPr/>
+        <p:spPr>
+          <a:xfrm>
+            <a:off x="1703925" y="733761"/>
+            <a:ext cx="9903875" cy="629234"/>
+          </a:xfrm>
+        </p:spPr>
+        <p:txBody>
+          <a:bodyPr>
+            <a:normAutofit/>
+          </a:bodyPr>
           <a:lstStyle/>
           <a:p>
             <a:r>
-              <a:rPr lang="en-US" dirty="0"/>
-              <a:t>Key Findings and </a:t>
-            </a:r>
-            <a:r>
-              <a:rPr lang="en-US" dirty="0" err="1"/>
-              <a:t>Statigic</a:t>
-            </a:r>
-            <a:r>
-              <a:rPr lang="en-US"/>
-              <a:t> </a:t>
+              <a:rPr lang="en-US" sz="3400" dirty="0"/>
+              <a:t>Key Findings and Strategic Recommendations</a:t>
             </a:r>
           </a:p>
         </p:txBody>
@@ -9992,12 +10093,110 @@
             <p:ph idx="1"/>
           </p:nvPr>
         </p:nvSpPr>
-        <p:spPr/>
-        <p:txBody>
-          <a:bodyPr/>
+        <p:spPr>
+          <a:xfrm>
+            <a:off x="2058199" y="1514044"/>
+            <a:ext cx="9195326" cy="5064556"/>
+          </a:xfrm>
+        </p:spPr>
+        <p:txBody>
+          <a:bodyPr>
+            <a:normAutofit lnSpcReduction="10000"/>
+          </a:bodyPr>
           <a:lstStyle/>
           <a:p>
-            <a:endParaRPr lang="en-US"/>
+            <a:pPr marL="0" indent="0">
+              <a:buNone/>
+            </a:pPr>
+            <a:r>
+              <a:rPr lang="en-US" sz="1400" b="1" dirty="0"/>
+              <a:t>Key Findings:</a:t>
+            </a:r>
+          </a:p>
+          <a:p>
+            <a:pPr marL="0" indent="0">
+              <a:buNone/>
+            </a:pPr>
+            <a:r>
+              <a:rPr lang="en-US" sz="1400" dirty="0"/>
+              <a:t>The analysis reveals that banking fraud is not driven by transaction volume alone but emerges from behavioral patterns across merchant categories, transaction intent, and refund activity. While the overall fraud rate remains low, its financial impact and distribution highlight the need for proactive risk monitoring rather than reactive controls.</a:t>
+            </a:r>
+          </a:p>
+          <a:p>
+            <a:r>
+              <a:rPr lang="en-US" sz="1400" dirty="0"/>
+              <a:t>However, Fraud Rate remains low overall (~1.29%) but is persistent and makes a total of 18.65M in Transaction Amount.</a:t>
+            </a:r>
+          </a:p>
+          <a:p>
+            <a:r>
+              <a:rPr lang="en-US" sz="1400" dirty="0"/>
+              <a:t>Risk is destituted across all transaction types</a:t>
+            </a:r>
+          </a:p>
+          <a:p>
+            <a:r>
+              <a:rPr lang="en-US" sz="1400" dirty="0"/>
+              <a:t>Certain merchant categories exhibit elevated fraud rates</a:t>
+            </a:r>
+          </a:p>
+          <a:p>
+            <a:r>
+              <a:rPr lang="en-US" sz="1400" dirty="0"/>
+              <a:t>Refund transactions show higher relative risk despite low volume</a:t>
+            </a:r>
+          </a:p>
+          <a:p>
+            <a:r>
+              <a:rPr lang="en-US" sz="1400" dirty="0"/>
+              <a:t>High Transaction Value does not always correlate with fraud</a:t>
+            </a:r>
+          </a:p>
+          <a:p>
+            <a:pPr marL="0" indent="0">
+              <a:buNone/>
+            </a:pPr>
+            <a:endParaRPr lang="en-US" sz="1400" dirty="0"/>
+          </a:p>
+          <a:p>
+            <a:pPr marL="0" indent="0">
+              <a:buNone/>
+            </a:pPr>
+            <a:r>
+              <a:rPr lang="en-US" sz="1400" b="1" dirty="0"/>
+              <a:t>Strategic Recommendations:</a:t>
+            </a:r>
+          </a:p>
+          <a:p>
+            <a:r>
+              <a:rPr lang="en-US" sz="1400" dirty="0"/>
+              <a:t>Implement behavior-based risk scoring, not value-based flags</a:t>
+            </a:r>
+          </a:p>
+          <a:p>
+            <a:r>
+              <a:rPr lang="en-US" sz="1400" dirty="0"/>
+              <a:t>Increase monitoring on refund and reversal patterns</a:t>
+            </a:r>
+          </a:p>
+          <a:p>
+            <a:r>
+              <a:rPr lang="en-US" sz="1400" dirty="0"/>
+              <a:t>Prioritize merchant category risk profiling</a:t>
+            </a:r>
+          </a:p>
+          <a:p>
+            <a:r>
+              <a:rPr lang="en-US" sz="1400" dirty="0"/>
+              <a:t>Shift fraud detection from reactive alerts </a:t>
+            </a:r>
+            <a:r>
+              <a:rPr lang="en-US" sz="1400" dirty="0">
+                <a:sym typeface="Wingdings" pitchFamily="2" charset="2"/>
+              </a:rPr>
+              <a:t> predictive signals</a:t>
+            </a:r>
+            <a:endParaRPr lang="en-US" sz="1400" dirty="0"/>
           </a:p>
         </p:txBody>
       </p:sp>
@@ -10011,6 +10210,189 @@
   <p:clrMapOvr>
     <a:masterClrMapping/>
   </p:clrMapOvr>
+  <mc:AlternateContent xmlns:mc="http://schemas.openxmlformats.org/markup-compatibility/2006">
+    <mc:Choice xmlns:p159="http://schemas.microsoft.com/office/powerpoint/2015/09/main" Requires="p159">
+      <p:transition xmlns:p14="http://schemas.microsoft.com/office/powerpoint/2010/main" spd="slow" p14:dur="2000">
+        <p159:morph option="byObject"/>
+      </p:transition>
+    </mc:Choice>
+    <mc:Fallback>
+      <p:transition spd="slow">
+        <p:fade/>
+      </p:transition>
+    </mc:Fallback>
+  </mc:AlternateContent>
+</p:sld>
+</file>
+
+<file path=ppt/slides/slide13.xml><?xml version="1.0" encoding="utf-8"?>
+<p:sld xmlns:a="http://schemas.openxmlformats.org/drawingml/2006/main" xmlns:r="http://schemas.openxmlformats.org/officeDocument/2006/relationships" xmlns:p="http://schemas.openxmlformats.org/presentationml/2006/main">
+  <p:cSld>
+    <p:spTree>
+      <p:nvGrpSpPr>
+        <p:cNvPr id="1" name=""/>
+        <p:cNvGrpSpPr/>
+        <p:nvPr/>
+      </p:nvGrpSpPr>
+      <p:grpSpPr>
+        <a:xfrm>
+          <a:off x="0" y="0"/>
+          <a:ext cx="0" cy="0"/>
+          <a:chOff x="0" y="0"/>
+          <a:chExt cx="0" cy="0"/>
+        </a:xfrm>
+      </p:grpSpPr>
+      <p:sp>
+        <p:nvSpPr>
+          <p:cNvPr id="2" name="Title 1">
+            <a:extLst>
+              <a:ext uri="{FF2B5EF4-FFF2-40B4-BE49-F238E27FC236}">
+                <a16:creationId xmlns:a16="http://schemas.microsoft.com/office/drawing/2014/main" id="{2AA573C9-2329-976C-01D0-C88056B2B606}"/>
+              </a:ext>
+            </a:extLst>
+          </p:cNvPr>
+          <p:cNvSpPr>
+            <a:spLocks noGrp="1"/>
+          </p:cNvSpPr>
+          <p:nvPr>
+            <p:ph type="title"/>
+          </p:nvPr>
+        </p:nvSpPr>
+        <p:spPr>
+          <a:xfrm>
+            <a:off x="2592926" y="624109"/>
+            <a:ext cx="3012007" cy="772891"/>
+          </a:xfrm>
+        </p:spPr>
+        <p:txBody>
+          <a:bodyPr>
+            <a:normAutofit/>
+          </a:bodyPr>
+          <a:lstStyle/>
+          <a:p>
+            <a:r>
+              <a:rPr lang="en-US" sz="4000" dirty="0"/>
+              <a:t>Conclusion</a:t>
+            </a:r>
+          </a:p>
+        </p:txBody>
+      </p:sp>
+      <p:sp>
+        <p:nvSpPr>
+          <p:cNvPr id="3" name="Content Placeholder 2">
+            <a:extLst>
+              <a:ext uri="{FF2B5EF4-FFF2-40B4-BE49-F238E27FC236}">
+                <a16:creationId xmlns:a16="http://schemas.microsoft.com/office/drawing/2014/main" id="{075CE00E-CF69-9BB1-AE90-85385CCDC1FF}"/>
+              </a:ext>
+            </a:extLst>
+          </p:cNvPr>
+          <p:cNvSpPr>
+            <a:spLocks noGrp="1"/>
+          </p:cNvSpPr>
+          <p:nvPr>
+            <p:ph idx="1"/>
+          </p:nvPr>
+        </p:nvSpPr>
+        <p:spPr>
+          <a:xfrm>
+            <a:off x="2592926" y="1752601"/>
+            <a:ext cx="9091612" cy="4481290"/>
+          </a:xfrm>
+        </p:spPr>
+        <p:txBody>
+          <a:bodyPr>
+            <a:noAutofit/>
+          </a:bodyPr>
+          <a:lstStyle/>
+          <a:p>
+            <a:pPr marL="0" indent="0">
+              <a:buNone/>
+            </a:pPr>
+            <a:r>
+              <a:rPr lang="en-US" dirty="0"/>
+              <a:t>This project demonstrates how an end-to-end analytics pipeline can convert large-scale transactional data into </a:t>
+            </a:r>
+            <a:r>
+              <a:rPr lang="en-US" b="1" dirty="0"/>
+              <a:t>actionable banking intelligence</a:t>
+            </a:r>
+            <a:r>
+              <a:rPr lang="en-US" dirty="0"/>
+              <a:t>. By integrating Excel, SQL, and Power BI, the analysis moves from raw data to executive insight in a structured, scalable way.</a:t>
+            </a:r>
+          </a:p>
+          <a:p>
+            <a:pPr marL="0" indent="0">
+              <a:buNone/>
+            </a:pPr>
+            <a:r>
+              <a:rPr lang="en-US" sz="1600" b="1" dirty="0"/>
+              <a:t>Final Outcomes achieved:</a:t>
+            </a:r>
+          </a:p>
+          <a:p>
+            <a:r>
+              <a:rPr lang="en-US" sz="1400" dirty="0"/>
+              <a:t>Studied and analyze the data using analytical thinking.</a:t>
+            </a:r>
+          </a:p>
+          <a:p>
+            <a:r>
+              <a:rPr lang="en-US" sz="1400" dirty="0"/>
+              <a:t>Cleaned Data with best practice in Excel</a:t>
+            </a:r>
+          </a:p>
+          <a:p>
+            <a:r>
+              <a:rPr lang="en-US" sz="1400" dirty="0"/>
+              <a:t>Using SQL queried the data  before moving to visualize it</a:t>
+            </a:r>
+          </a:p>
+          <a:p>
+            <a:r>
+              <a:rPr lang="en-US" sz="1400" dirty="0"/>
+              <a:t>Created pipelines between three top software</a:t>
+            </a:r>
+          </a:p>
+          <a:p>
+            <a:r>
+              <a:rPr lang="en-US" sz="1400" dirty="0"/>
+              <a:t>Built a realistic banking analytics pipeline</a:t>
+            </a:r>
+          </a:p>
+          <a:p>
+            <a:r>
+              <a:rPr lang="en-US" sz="1400" dirty="0"/>
+              <a:t>Delivered executive and analyst-focused dashboards</a:t>
+            </a:r>
+          </a:p>
+          <a:p>
+            <a:r>
+              <a:rPr lang="en-US" sz="1400" dirty="0"/>
+              <a:t>Identified fraud patterns and behavioral risk signals</a:t>
+            </a:r>
+          </a:p>
+          <a:p>
+            <a:r>
+              <a:rPr lang="en-US" sz="1400" dirty="0"/>
+              <a:t>Created a framework applicable to real world banks</a:t>
+            </a:r>
+          </a:p>
+        </p:txBody>
+      </p:sp>
+    </p:spTree>
+    <p:extLst>
+      <p:ext uri="{BB962C8B-B14F-4D97-AF65-F5344CB8AC3E}">
+        <p14:creationId xmlns:p14="http://schemas.microsoft.com/office/powerpoint/2010/main" val="1416917048"/>
+      </p:ext>
+    </p:extLst>
+  </p:cSld>
+  <p:clrMapOvr>
+    <a:masterClrMapping/>
+  </p:clrMapOvr>
+  <p:transition spd="slow">
+    <p:push dir="u"/>
+  </p:transition>
 </p:sld>
 </file>
 
@@ -10148,6 +10530,18 @@
   <p:clrMapOvr>
     <a:masterClrMapping/>
   </p:clrMapOvr>
+  <mc:AlternateContent xmlns:mc="http://schemas.openxmlformats.org/markup-compatibility/2006">
+    <mc:Choice xmlns:p14="http://schemas.microsoft.com/office/powerpoint/2010/main" Requires="p14">
+      <p:transition spd="slow" p14:dur="1500">
+        <p:split orient="vert"/>
+      </p:transition>
+    </mc:Choice>
+    <mc:Fallback>
+      <p:transition spd="slow">
+        <p:split orient="vert"/>
+      </p:transition>
+    </mc:Fallback>
+  </mc:AlternateContent>
 </p:sld>
 </file>
 
@@ -10277,6 +10671,9 @@
   <p:clrMapOvr>
     <a:masterClrMapping/>
   </p:clrMapOvr>
+  <p:transition spd="slow">
+    <p:randomBar dir="vert"/>
+  </p:transition>
 </p:sld>
 </file>
 
@@ -10407,6 +10804,9 @@
   <p:clrMapOvr>
     <a:masterClrMapping/>
   </p:clrMapOvr>
+  <p:transition spd="slow">
+    <p:randomBar dir="vert"/>
+  </p:transition>
 </p:sld>
 </file>
 
@@ -10540,6 +10940,9 @@
   <p:clrMapOvr>
     <a:masterClrMapping/>
   </p:clrMapOvr>
+  <p:transition spd="slow">
+    <p:randomBar dir="vert"/>
+  </p:transition>
 </p:sld>
 </file>
 
@@ -10670,6 +11073,9 @@
   <p:clrMapOvr>
     <a:masterClrMapping/>
   </p:clrMapOvr>
+  <p:transition spd="slow">
+    <p:randomBar dir="vert"/>
+  </p:transition>
 </p:sld>
 </file>
 
@@ -10811,6 +11217,9 @@
   <p:clrMapOvr>
     <a:masterClrMapping/>
   </p:clrMapOvr>
+  <p:transition spd="slow">
+    <p:randomBar dir="vert"/>
+  </p:transition>
 </p:sld>
 </file>
 
@@ -10964,6 +11373,9 @@
   <p:clrMapOvr>
     <a:masterClrMapping/>
   </p:clrMapOvr>
+  <p:transition spd="slow">
+    <p:randomBar dir="vert"/>
+  </p:transition>
 </p:sld>
 </file>
 
@@ -11031,29 +11443,76 @@
         </p:nvSpPr>
         <p:spPr>
           <a:xfrm>
-            <a:off x="2589212" y="1905000"/>
-            <a:ext cx="8915400" cy="1677186"/>
+            <a:off x="2591068" y="1905000"/>
+            <a:ext cx="8915400" cy="2734733"/>
           </a:xfrm>
         </p:spPr>
         <p:txBody>
-          <a:bodyPr/>
+          <a:bodyPr>
+            <a:noAutofit/>
+          </a:bodyPr>
           <a:lstStyle/>
           <a:p>
             <a:pPr marL="0" indent="0">
+              <a:lnSpc>
+                <a:spcPct val="120000"/>
+              </a:lnSpc>
               <a:buNone/>
             </a:pPr>
             <a:r>
-              <a:rPr lang="en-US" dirty="0"/>
-              <a:t>Key Performance Indicators were designed to summarize the health, scale, and risk exposure of the banking system in a single view. Rather than focusing only on fraud counts, these KPIs capture transaction intensity, monetary impact, and behavioral risk, providing a balanced executive snapshot.</a:t>
+              <a:rPr lang="en-US" sz="1600" dirty="0"/>
+              <a:t>These KIPs act as an early-warning system for banking risk. Rather than isolating fraud alone, they measure transaction intensity, monetary exposure, and behavioral risk simultaneously, enabling precative intervention.</a:t>
             </a:r>
           </a:p>
           <a:p>
             <a:pPr marL="0" indent="0">
+              <a:lnSpc>
+                <a:spcPct val="120000"/>
+              </a:lnSpc>
               <a:buNone/>
             </a:pPr>
             <a:r>
-              <a:rPr lang="en-US" dirty="0"/>
+              <a:rPr lang="en-US" sz="1600" dirty="0"/>
               <a:t>Together,  these indicators answer four critical questions:</a:t>
+            </a:r>
+          </a:p>
+          <a:p>
+            <a:pPr>
+              <a:lnSpc>
+                <a:spcPct val="120000"/>
+              </a:lnSpc>
+              <a:buFont typeface="Wingdings" pitchFamily="2" charset="2"/>
+              <a:buChar char="q"/>
+            </a:pPr>
+            <a:r>
+              <a:rPr lang="en-US" sz="1600" dirty="0"/>
+              <a:t>Total Transaction flow reflects system activity &amp; scale</a:t>
+            </a:r>
+          </a:p>
+          <a:p>
+            <a:pPr>
+              <a:lnSpc>
+                <a:spcPct val="120000"/>
+              </a:lnSpc>
+              <a:buFont typeface="Wingdings" pitchFamily="2" charset="2"/>
+              <a:buChar char="q"/>
+            </a:pPr>
+            <a:r>
+              <a:rPr lang="en-US" sz="1600" dirty="0"/>
+              <a:t>Fraud rate highlights hidden risk within normal transactions</a:t>
+            </a:r>
+          </a:p>
+          <a:p>
+            <a:pPr>
+              <a:lnSpc>
+                <a:spcPct val="120000"/>
+              </a:lnSpc>
+              <a:buFont typeface="Wingdings" pitchFamily="2" charset="2"/>
+              <a:buChar char="q"/>
+            </a:pPr>
+            <a:r>
+              <a:rPr lang="en-US" sz="1600" dirty="0"/>
+              <a:t>Average fraud transaction value signals financial impact severity</a:t>
             </a:r>
           </a:p>
         </p:txBody>
@@ -11080,7 +11539,7 @@
         </p:blipFill>
         <p:spPr>
           <a:xfrm>
-            <a:off x="2589212" y="4269493"/>
+            <a:off x="2591068" y="4761150"/>
             <a:ext cx="8451300" cy="1187166"/>
           </a:xfrm>
           <a:prstGeom prst="rect">
@@ -11098,6 +11557,18 @@
   <p:clrMapOvr>
     <a:masterClrMapping/>
   </p:clrMapOvr>
+  <mc:AlternateContent xmlns:mc="http://schemas.openxmlformats.org/markup-compatibility/2006">
+    <mc:Choice xmlns:p159="http://schemas.microsoft.com/office/powerpoint/2015/09/main" Requires="p159">
+      <p:transition xmlns:p14="http://schemas.microsoft.com/office/powerpoint/2010/main" spd="slow" p14:dur="2000">
+        <p159:morph option="byObject"/>
+      </p:transition>
+    </mc:Choice>
+    <mc:Fallback>
+      <p:transition spd="slow">
+        <p:fade/>
+      </p:transition>
+    </mc:Fallback>
+  </mc:AlternateContent>
 </p:sld>
 </file>
 
